--- a/3D/triangulation.pptx
+++ b/3D/triangulation.pptx
@@ -5,10 +5,11 @@
     <p:sldMasterId id="2147483648" r:id="rId1"/>
   </p:sldMasterIdLst>
   <p:notesMasterIdLst>
-    <p:notesMasterId r:id="rId3"/>
+    <p:notesMasterId r:id="rId4"/>
   </p:notesMasterIdLst>
   <p:sldIdLst>
     <p:sldId id="256" r:id="rId2"/>
+    <p:sldId id="257" r:id="rId3"/>
   </p:sldIdLst>
   <p:sldSz cx="12192000" cy="6858000"/>
   <p:notesSz cx="6858000" cy="9144000"/>
@@ -107,6 +108,14 @@
       </a:defRPr>
     </a:lvl9pPr>
   </p:defaultTextStyle>
+  <p:extLst>
+    <p:ext uri="{EFAFB233-063F-42B5-8137-9DF3F51BA10A}">
+      <p15:sldGuideLst xmlns:p15="http://schemas.microsoft.com/office/powerpoint/2012/main"/>
+    </p:ext>
+    <p:ext uri="{2D200454-40CA-4A62-9FC3-DE9A4176ACB9}">
+      <p15:notesGuideLst xmlns:p15="http://schemas.microsoft.com/office/powerpoint/2012/main"/>
+    </p:ext>
+  </p:extLst>
 </p:presentation>
 </file>
 
@@ -192,7 +201,7 @@
           <a:p>
             <a:fld id="{F160B275-E15A-477E-9FDC-96E2DF15BEB5}" type="datetimeFigureOut">
               <a:rPr lang="fr-FR" smtClean="0"/>
-              <a:t>23/01/2022</a:t>
+              <a:t>24/01/2022</a:t>
             </a:fld>
             <a:endParaRPr lang="fr-FR"/>
           </a:p>
@@ -671,7 +680,7 @@
           <a:p>
             <a:fld id="{F3452523-C4A0-4875-B071-9C8D2ABC8F20}" type="datetimeFigureOut">
               <a:rPr lang="fr-FR" smtClean="0"/>
-              <a:t>23/01/2022</a:t>
+              <a:t>24/01/2022</a:t>
             </a:fld>
             <a:endParaRPr lang="fr-FR"/>
           </a:p>
@@ -869,7 +878,7 @@
           <a:p>
             <a:fld id="{F3452523-C4A0-4875-B071-9C8D2ABC8F20}" type="datetimeFigureOut">
               <a:rPr lang="fr-FR" smtClean="0"/>
-              <a:t>23/01/2022</a:t>
+              <a:t>24/01/2022</a:t>
             </a:fld>
             <a:endParaRPr lang="fr-FR"/>
           </a:p>
@@ -1077,7 +1086,7 @@
           <a:p>
             <a:fld id="{F3452523-C4A0-4875-B071-9C8D2ABC8F20}" type="datetimeFigureOut">
               <a:rPr lang="fr-FR" smtClean="0"/>
-              <a:t>23/01/2022</a:t>
+              <a:t>24/01/2022</a:t>
             </a:fld>
             <a:endParaRPr lang="fr-FR"/>
           </a:p>
@@ -1275,7 +1284,7 @@
           <a:p>
             <a:fld id="{F3452523-C4A0-4875-B071-9C8D2ABC8F20}" type="datetimeFigureOut">
               <a:rPr lang="fr-FR" smtClean="0"/>
-              <a:t>23/01/2022</a:t>
+              <a:t>24/01/2022</a:t>
             </a:fld>
             <a:endParaRPr lang="fr-FR"/>
           </a:p>
@@ -1550,7 +1559,7 @@
           <a:p>
             <a:fld id="{F3452523-C4A0-4875-B071-9C8D2ABC8F20}" type="datetimeFigureOut">
               <a:rPr lang="fr-FR" smtClean="0"/>
-              <a:t>23/01/2022</a:t>
+              <a:t>24/01/2022</a:t>
             </a:fld>
             <a:endParaRPr lang="fr-FR"/>
           </a:p>
@@ -1815,7 +1824,7 @@
           <a:p>
             <a:fld id="{F3452523-C4A0-4875-B071-9C8D2ABC8F20}" type="datetimeFigureOut">
               <a:rPr lang="fr-FR" smtClean="0"/>
-              <a:t>23/01/2022</a:t>
+              <a:t>24/01/2022</a:t>
             </a:fld>
             <a:endParaRPr lang="fr-FR"/>
           </a:p>
@@ -2227,7 +2236,7 @@
           <a:p>
             <a:fld id="{F3452523-C4A0-4875-B071-9C8D2ABC8F20}" type="datetimeFigureOut">
               <a:rPr lang="fr-FR" smtClean="0"/>
-              <a:t>23/01/2022</a:t>
+              <a:t>24/01/2022</a:t>
             </a:fld>
             <a:endParaRPr lang="fr-FR"/>
           </a:p>
@@ -2368,7 +2377,7 @@
           <a:p>
             <a:fld id="{F3452523-C4A0-4875-B071-9C8D2ABC8F20}" type="datetimeFigureOut">
               <a:rPr lang="fr-FR" smtClean="0"/>
-              <a:t>23/01/2022</a:t>
+              <a:t>24/01/2022</a:t>
             </a:fld>
             <a:endParaRPr lang="fr-FR"/>
           </a:p>
@@ -2481,7 +2490,7 @@
           <a:p>
             <a:fld id="{F3452523-C4A0-4875-B071-9C8D2ABC8F20}" type="datetimeFigureOut">
               <a:rPr lang="fr-FR" smtClean="0"/>
-              <a:t>23/01/2022</a:t>
+              <a:t>24/01/2022</a:t>
             </a:fld>
             <a:endParaRPr lang="fr-FR"/>
           </a:p>
@@ -2792,7 +2801,7 @@
           <a:p>
             <a:fld id="{F3452523-C4A0-4875-B071-9C8D2ABC8F20}" type="datetimeFigureOut">
               <a:rPr lang="fr-FR" smtClean="0"/>
-              <a:t>23/01/2022</a:t>
+              <a:t>24/01/2022</a:t>
             </a:fld>
             <a:endParaRPr lang="fr-FR"/>
           </a:p>
@@ -3080,7 +3089,7 @@
           <a:p>
             <a:fld id="{F3452523-C4A0-4875-B071-9C8D2ABC8F20}" type="datetimeFigureOut">
               <a:rPr lang="fr-FR" smtClean="0"/>
-              <a:t>23/01/2022</a:t>
+              <a:t>24/01/2022</a:t>
             </a:fld>
             <a:endParaRPr lang="fr-FR"/>
           </a:p>
@@ -3321,7 +3330,7 @@
           <a:p>
             <a:fld id="{F3452523-C4A0-4875-B071-9C8D2ABC8F20}" type="datetimeFigureOut">
               <a:rPr lang="fr-FR" smtClean="0"/>
-              <a:t>23/01/2022</a:t>
+              <a:t>24/01/2022</a:t>
             </a:fld>
             <a:endParaRPr lang="fr-FR"/>
           </a:p>
@@ -6401,6 +6410,156 @@
     <p:extLst>
       <p:ext uri="{BB962C8B-B14F-4D97-AF65-F5344CB8AC3E}">
         <p14:creationId xmlns:p14="http://schemas.microsoft.com/office/powerpoint/2010/main" val="881447523"/>
+      </p:ext>
+    </p:extLst>
+  </p:cSld>
+  <p:clrMapOvr>
+    <a:masterClrMapping/>
+  </p:clrMapOvr>
+</p:sld>
+</file>
+
+<file path=ppt/slides/slide2.xml><?xml version="1.0" encoding="utf-8"?>
+<p:sld xmlns:a="http://schemas.openxmlformats.org/drawingml/2006/main" xmlns:r="http://schemas.openxmlformats.org/officeDocument/2006/relationships" xmlns:p="http://schemas.openxmlformats.org/presentationml/2006/main">
+  <p:cSld>
+    <p:spTree>
+      <p:nvGrpSpPr>
+        <p:cNvPr id="1" name=""/>
+        <p:cNvGrpSpPr/>
+        <p:nvPr/>
+      </p:nvGrpSpPr>
+      <p:grpSpPr>
+        <a:xfrm>
+          <a:off x="0" y="0"/>
+          <a:ext cx="0" cy="0"/>
+          <a:chOff x="0" y="0"/>
+          <a:chExt cx="0" cy="0"/>
+        </a:xfrm>
+      </p:grpSpPr>
+      <p:sp>
+        <p:nvSpPr>
+          <p:cNvPr id="2" name="Titre 1">
+            <a:extLst>
+              <a:ext uri="{FF2B5EF4-FFF2-40B4-BE49-F238E27FC236}">
+                <a16:creationId xmlns:a16="http://schemas.microsoft.com/office/drawing/2014/main" id="{BDF24D10-1C8E-4D5E-B701-6BCF5D8824C2}"/>
+              </a:ext>
+            </a:extLst>
+          </p:cNvPr>
+          <p:cNvSpPr>
+            <a:spLocks noGrp="1"/>
+          </p:cNvSpPr>
+          <p:nvPr>
+            <p:ph type="title"/>
+          </p:nvPr>
+        </p:nvSpPr>
+        <p:spPr/>
+        <p:txBody>
+          <a:bodyPr/>
+          <a:lstStyle/>
+          <a:p>
+            <a:endParaRPr lang="en-GB"/>
+          </a:p>
+        </p:txBody>
+      </p:sp>
+      <p:pic>
+        <p:nvPicPr>
+          <p:cNvPr id="7" name="Espace réservé du contenu 6">
+            <a:extLst>
+              <a:ext uri="{FF2B5EF4-FFF2-40B4-BE49-F238E27FC236}">
+                <a16:creationId xmlns:a16="http://schemas.microsoft.com/office/drawing/2014/main" id="{A6FFFBD8-487D-4AC4-A1F0-2055C3291C3B}"/>
+              </a:ext>
+            </a:extLst>
+          </p:cNvPr>
+          <p:cNvPicPr>
+            <a:picLocks noGrp="1" noChangeAspect="1"/>
+          </p:cNvPicPr>
+          <p:nvPr>
+            <p:ph idx="1"/>
+          </p:nvPr>
+        </p:nvPicPr>
+        <p:blipFill>
+          <a:blip r:embed="rId2"/>
+          <a:stretch>
+            <a:fillRect/>
+          </a:stretch>
+        </p:blipFill>
+        <p:spPr>
+          <a:xfrm>
+            <a:off x="730383" y="3644129"/>
+            <a:ext cx="7287642" cy="2562583"/>
+          </a:xfrm>
+        </p:spPr>
+      </p:pic>
+      <p:pic>
+        <p:nvPicPr>
+          <p:cNvPr id="5" name="Image 4">
+            <a:extLst>
+              <a:ext uri="{FF2B5EF4-FFF2-40B4-BE49-F238E27FC236}">
+                <a16:creationId xmlns:a16="http://schemas.microsoft.com/office/drawing/2014/main" id="{22167F09-52B7-4B01-A6A7-D66A7FCDDCCC}"/>
+              </a:ext>
+            </a:extLst>
+          </p:cNvPr>
+          <p:cNvPicPr>
+            <a:picLocks noChangeAspect="1"/>
+          </p:cNvPicPr>
+          <p:nvPr/>
+        </p:nvPicPr>
+        <p:blipFill>
+          <a:blip r:embed="rId3"/>
+          <a:stretch>
+            <a:fillRect/>
+          </a:stretch>
+        </p:blipFill>
+        <p:spPr>
+          <a:xfrm>
+            <a:off x="606540" y="651288"/>
+            <a:ext cx="7535327" cy="2743583"/>
+          </a:xfrm>
+          <a:prstGeom prst="rect">
+            <a:avLst/>
+          </a:prstGeom>
+        </p:spPr>
+      </p:pic>
+      <p:sp>
+        <p:nvSpPr>
+          <p:cNvPr id="8" name="ZoneTexte 7">
+            <a:extLst>
+              <a:ext uri="{FF2B5EF4-FFF2-40B4-BE49-F238E27FC236}">
+                <a16:creationId xmlns:a16="http://schemas.microsoft.com/office/drawing/2014/main" id="{E376E4B9-C94E-47CD-9677-5543D1A198D9}"/>
+              </a:ext>
+            </a:extLst>
+          </p:cNvPr>
+          <p:cNvSpPr txBox="1"/>
+          <p:nvPr/>
+        </p:nvSpPr>
+        <p:spPr>
+          <a:xfrm>
+            <a:off x="8463064" y="2266545"/>
+            <a:ext cx="2655651" cy="646331"/>
+          </a:xfrm>
+          <a:prstGeom prst="rect">
+            <a:avLst/>
+          </a:prstGeom>
+          <a:noFill/>
+        </p:spPr>
+        <p:txBody>
+          <a:bodyPr wrap="square" rtlCol="0">
+            <a:spAutoFit/>
+          </a:bodyPr>
+          <a:lstStyle/>
+          <a:p>
+            <a:r>
+              <a:rPr lang="fr-FR" dirty="0"/>
+              <a:t>Avec droite épipolaire perte de précision </a:t>
+            </a:r>
+            <a:endParaRPr lang="en-GB" dirty="0"/>
+          </a:p>
+        </p:txBody>
+      </p:sp>
+    </p:spTree>
+    <p:extLst>
+      <p:ext uri="{BB962C8B-B14F-4D97-AF65-F5344CB8AC3E}">
+        <p14:creationId xmlns:p14="http://schemas.microsoft.com/office/powerpoint/2010/main" val="797670198"/>
       </p:ext>
     </p:extLst>
   </p:cSld>

--- a/3D/triangulation.pptx
+++ b/3D/triangulation.pptx
@@ -5,11 +5,13 @@
     <p:sldMasterId id="2147483648" r:id="rId1"/>
   </p:sldMasterIdLst>
   <p:notesMasterIdLst>
-    <p:notesMasterId r:id="rId4"/>
+    <p:notesMasterId r:id="rId6"/>
   </p:notesMasterIdLst>
   <p:sldIdLst>
     <p:sldId id="256" r:id="rId2"/>
     <p:sldId id="257" r:id="rId3"/>
+    <p:sldId id="258" r:id="rId4"/>
+    <p:sldId id="259" r:id="rId5"/>
   </p:sldIdLst>
   <p:sldSz cx="12192000" cy="6858000"/>
   <p:notesSz cx="6858000" cy="9144000"/>
@@ -6560,6 +6562,1982 @@
     <p:extLst>
       <p:ext uri="{BB962C8B-B14F-4D97-AF65-F5344CB8AC3E}">
         <p14:creationId xmlns:p14="http://schemas.microsoft.com/office/powerpoint/2010/main" val="797670198"/>
+      </p:ext>
+    </p:extLst>
+  </p:cSld>
+  <p:clrMapOvr>
+    <a:masterClrMapping/>
+  </p:clrMapOvr>
+</p:sld>
+</file>
+
+<file path=ppt/slides/slide3.xml><?xml version="1.0" encoding="utf-8"?>
+<p:sld xmlns:a="http://schemas.openxmlformats.org/drawingml/2006/main" xmlns:r="http://schemas.openxmlformats.org/officeDocument/2006/relationships" xmlns:p="http://schemas.openxmlformats.org/presentationml/2006/main">
+  <p:cSld>
+    <p:spTree>
+      <p:nvGrpSpPr>
+        <p:cNvPr id="1" name=""/>
+        <p:cNvGrpSpPr/>
+        <p:nvPr/>
+      </p:nvGrpSpPr>
+      <p:grpSpPr>
+        <a:xfrm>
+          <a:off x="0" y="0"/>
+          <a:ext cx="0" cy="0"/>
+          <a:chOff x="0" y="0"/>
+          <a:chExt cx="0" cy="0"/>
+        </a:xfrm>
+      </p:grpSpPr>
+      <p:sp>
+        <p:nvSpPr>
+          <p:cNvPr id="5" name="Triangle isocèle 4">
+            <a:extLst>
+              <a:ext uri="{FF2B5EF4-FFF2-40B4-BE49-F238E27FC236}">
+                <a16:creationId xmlns:a16="http://schemas.microsoft.com/office/drawing/2014/main" id="{146F3F99-CE65-4A4B-A93A-A4EC63A3AAE8}"/>
+              </a:ext>
+            </a:extLst>
+          </p:cNvPr>
+          <p:cNvSpPr/>
+          <p:nvPr/>
+        </p:nvSpPr>
+        <p:spPr>
+          <a:xfrm>
+            <a:off x="3579639" y="754939"/>
+            <a:ext cx="5404339" cy="3892061"/>
+          </a:xfrm>
+          <a:prstGeom prst="triangle">
+            <a:avLst/>
+          </a:prstGeom>
+          <a:ln w="38100"/>
+        </p:spPr>
+        <p:style>
+          <a:lnRef idx="2">
+            <a:schemeClr val="accent1"/>
+          </a:lnRef>
+          <a:fillRef idx="1">
+            <a:schemeClr val="lt1"/>
+          </a:fillRef>
+          <a:effectRef idx="0">
+            <a:schemeClr val="accent1"/>
+          </a:effectRef>
+          <a:fontRef idx="minor">
+            <a:schemeClr val="dk1"/>
+          </a:fontRef>
+        </p:style>
+        <p:txBody>
+          <a:bodyPr rtlCol="0" anchor="ctr"/>
+          <a:lstStyle/>
+          <a:p>
+            <a:pPr algn="ctr"/>
+            <a:endParaRPr lang="en-GB"/>
+          </a:p>
+        </p:txBody>
+      </p:sp>
+      <p:sp>
+        <p:nvSpPr>
+          <p:cNvPr id="6" name="Ellipse 5">
+            <a:extLst>
+              <a:ext uri="{FF2B5EF4-FFF2-40B4-BE49-F238E27FC236}">
+                <a16:creationId xmlns:a16="http://schemas.microsoft.com/office/drawing/2014/main" id="{C0AA41C4-DFED-4CC9-A2C1-A53C1DA0E334}"/>
+              </a:ext>
+            </a:extLst>
+          </p:cNvPr>
+          <p:cNvSpPr/>
+          <p:nvPr/>
+        </p:nvSpPr>
+        <p:spPr>
+          <a:xfrm>
+            <a:off x="6179232" y="605496"/>
+            <a:ext cx="205155" cy="196361"/>
+          </a:xfrm>
+          <a:prstGeom prst="ellipse">
+            <a:avLst/>
+          </a:prstGeom>
+        </p:spPr>
+        <p:style>
+          <a:lnRef idx="2">
+            <a:schemeClr val="dk1">
+              <a:shade val="50000"/>
+            </a:schemeClr>
+          </a:lnRef>
+          <a:fillRef idx="1">
+            <a:schemeClr val="dk1"/>
+          </a:fillRef>
+          <a:effectRef idx="0">
+            <a:schemeClr val="dk1"/>
+          </a:effectRef>
+          <a:fontRef idx="minor">
+            <a:schemeClr val="lt1"/>
+          </a:fontRef>
+        </p:style>
+        <p:txBody>
+          <a:bodyPr rtlCol="0" anchor="ctr"/>
+          <a:lstStyle/>
+          <a:p>
+            <a:pPr algn="ctr"/>
+            <a:endParaRPr lang="en-GB"/>
+          </a:p>
+        </p:txBody>
+      </p:sp>
+      <p:sp>
+        <p:nvSpPr>
+          <p:cNvPr id="7" name="ZoneTexte 6">
+            <a:extLst>
+              <a:ext uri="{FF2B5EF4-FFF2-40B4-BE49-F238E27FC236}">
+                <a16:creationId xmlns:a16="http://schemas.microsoft.com/office/drawing/2014/main" id="{03F5A5C1-C29B-4D22-98D2-AF71FE17CF64}"/>
+              </a:ext>
+            </a:extLst>
+          </p:cNvPr>
+          <p:cNvSpPr txBox="1"/>
+          <p:nvPr/>
+        </p:nvSpPr>
+        <p:spPr>
+          <a:xfrm>
+            <a:off x="6495756" y="460396"/>
+            <a:ext cx="1541586" cy="369332"/>
+          </a:xfrm>
+          <a:prstGeom prst="rect">
+            <a:avLst/>
+          </a:prstGeom>
+          <a:noFill/>
+        </p:spPr>
+        <p:txBody>
+          <a:bodyPr wrap="square" rtlCol="0">
+            <a:spAutoFit/>
+          </a:bodyPr>
+          <a:lstStyle/>
+          <a:p>
+            <a:r>
+              <a:rPr lang="fr-FR" dirty="0"/>
+              <a:t>P = (X, Y, Z)</a:t>
+            </a:r>
+            <a:endParaRPr lang="en-GB" dirty="0"/>
+          </a:p>
+        </p:txBody>
+      </p:sp>
+      <p:cxnSp>
+        <p:nvCxnSpPr>
+          <p:cNvPr id="12" name="Connecteur droit 11">
+            <a:extLst>
+              <a:ext uri="{FF2B5EF4-FFF2-40B4-BE49-F238E27FC236}">
+                <a16:creationId xmlns:a16="http://schemas.microsoft.com/office/drawing/2014/main" id="{2E1258D4-43DD-4960-B231-C9C01F8506CE}"/>
+              </a:ext>
+            </a:extLst>
+          </p:cNvPr>
+          <p:cNvCxnSpPr/>
+          <p:nvPr/>
+        </p:nvCxnSpPr>
+        <p:spPr>
+          <a:xfrm>
+            <a:off x="3139440" y="4016983"/>
+            <a:ext cx="2225040" cy="1117600"/>
+          </a:xfrm>
+          <a:prstGeom prst="line">
+            <a:avLst/>
+          </a:prstGeom>
+          <a:ln w="38100">
+            <a:solidFill>
+              <a:srgbClr val="7030A0"/>
+            </a:solidFill>
+          </a:ln>
+        </p:spPr>
+        <p:style>
+          <a:lnRef idx="1">
+            <a:schemeClr val="accent1"/>
+          </a:lnRef>
+          <a:fillRef idx="0">
+            <a:schemeClr val="accent1"/>
+          </a:fillRef>
+          <a:effectRef idx="0">
+            <a:schemeClr val="accent1"/>
+          </a:effectRef>
+          <a:fontRef idx="minor">
+            <a:schemeClr val="tx1"/>
+          </a:fontRef>
+        </p:style>
+      </p:cxnSp>
+      <p:cxnSp>
+        <p:nvCxnSpPr>
+          <p:cNvPr id="15" name="Connecteur droit 14">
+            <a:extLst>
+              <a:ext uri="{FF2B5EF4-FFF2-40B4-BE49-F238E27FC236}">
+                <a16:creationId xmlns:a16="http://schemas.microsoft.com/office/drawing/2014/main" id="{80DD6BCD-BC4F-4A4F-9228-03A1ACF4965C}"/>
+              </a:ext>
+            </a:extLst>
+          </p:cNvPr>
+          <p:cNvCxnSpPr/>
+          <p:nvPr/>
+        </p:nvCxnSpPr>
+        <p:spPr>
+          <a:xfrm>
+            <a:off x="3139440" y="3092423"/>
+            <a:ext cx="2225040" cy="1117600"/>
+          </a:xfrm>
+          <a:prstGeom prst="line">
+            <a:avLst/>
+          </a:prstGeom>
+          <a:ln w="38100">
+            <a:solidFill>
+              <a:srgbClr val="7030A0"/>
+            </a:solidFill>
+          </a:ln>
+        </p:spPr>
+        <p:style>
+          <a:lnRef idx="1">
+            <a:schemeClr val="accent1"/>
+          </a:lnRef>
+          <a:fillRef idx="0">
+            <a:schemeClr val="accent1"/>
+          </a:fillRef>
+          <a:effectRef idx="0">
+            <a:schemeClr val="accent1"/>
+          </a:effectRef>
+          <a:fontRef idx="minor">
+            <a:schemeClr val="tx1"/>
+          </a:fontRef>
+        </p:style>
+      </p:cxnSp>
+      <p:cxnSp>
+        <p:nvCxnSpPr>
+          <p:cNvPr id="16" name="Connecteur droit 15">
+            <a:extLst>
+              <a:ext uri="{FF2B5EF4-FFF2-40B4-BE49-F238E27FC236}">
+                <a16:creationId xmlns:a16="http://schemas.microsoft.com/office/drawing/2014/main" id="{AC558ECD-0CCB-4732-8130-01C8FA4A4C03}"/>
+              </a:ext>
+            </a:extLst>
+          </p:cNvPr>
+          <p:cNvCxnSpPr>
+            <a:cxnSpLocks/>
+          </p:cNvCxnSpPr>
+          <p:nvPr/>
+        </p:nvCxnSpPr>
+        <p:spPr>
+          <a:xfrm>
+            <a:off x="3139440" y="3092423"/>
+            <a:ext cx="0" cy="924560"/>
+          </a:xfrm>
+          <a:prstGeom prst="line">
+            <a:avLst/>
+          </a:prstGeom>
+          <a:ln w="38100">
+            <a:solidFill>
+              <a:srgbClr val="7030A0"/>
+            </a:solidFill>
+          </a:ln>
+        </p:spPr>
+        <p:style>
+          <a:lnRef idx="1">
+            <a:schemeClr val="accent1"/>
+          </a:lnRef>
+          <a:fillRef idx="0">
+            <a:schemeClr val="accent1"/>
+          </a:fillRef>
+          <a:effectRef idx="0">
+            <a:schemeClr val="accent1"/>
+          </a:effectRef>
+          <a:fontRef idx="minor">
+            <a:schemeClr val="tx1"/>
+          </a:fontRef>
+        </p:style>
+      </p:cxnSp>
+      <p:cxnSp>
+        <p:nvCxnSpPr>
+          <p:cNvPr id="19" name="Connecteur droit 18">
+            <a:extLst>
+              <a:ext uri="{FF2B5EF4-FFF2-40B4-BE49-F238E27FC236}">
+                <a16:creationId xmlns:a16="http://schemas.microsoft.com/office/drawing/2014/main" id="{3B6BA019-08F9-4248-A92D-D294CB6B240E}"/>
+              </a:ext>
+            </a:extLst>
+          </p:cNvPr>
+          <p:cNvCxnSpPr>
+            <a:cxnSpLocks/>
+          </p:cNvCxnSpPr>
+          <p:nvPr/>
+        </p:nvCxnSpPr>
+        <p:spPr>
+          <a:xfrm flipV="1">
+            <a:off x="5364480" y="4210023"/>
+            <a:ext cx="0" cy="924560"/>
+          </a:xfrm>
+          <a:prstGeom prst="line">
+            <a:avLst/>
+          </a:prstGeom>
+          <a:ln w="38100">
+            <a:solidFill>
+              <a:srgbClr val="7030A0"/>
+            </a:solidFill>
+          </a:ln>
+        </p:spPr>
+        <p:style>
+          <a:lnRef idx="1">
+            <a:schemeClr val="accent1"/>
+          </a:lnRef>
+          <a:fillRef idx="0">
+            <a:schemeClr val="accent1"/>
+          </a:fillRef>
+          <a:effectRef idx="0">
+            <a:schemeClr val="accent1"/>
+          </a:effectRef>
+          <a:fontRef idx="minor">
+            <a:schemeClr val="tx1"/>
+          </a:fontRef>
+        </p:style>
+      </p:cxnSp>
+      <p:cxnSp>
+        <p:nvCxnSpPr>
+          <p:cNvPr id="22" name="Connecteur droit 21">
+            <a:extLst>
+              <a:ext uri="{FF2B5EF4-FFF2-40B4-BE49-F238E27FC236}">
+                <a16:creationId xmlns:a16="http://schemas.microsoft.com/office/drawing/2014/main" id="{A278DE96-D135-4844-B8CD-EA0960B561B5}"/>
+              </a:ext>
+            </a:extLst>
+          </p:cNvPr>
+          <p:cNvCxnSpPr>
+            <a:cxnSpLocks/>
+          </p:cNvCxnSpPr>
+          <p:nvPr/>
+        </p:nvCxnSpPr>
+        <p:spPr>
+          <a:xfrm flipV="1">
+            <a:off x="7008634" y="4255790"/>
+            <a:ext cx="2225041" cy="731520"/>
+          </a:xfrm>
+          <a:prstGeom prst="line">
+            <a:avLst/>
+          </a:prstGeom>
+          <a:ln w="38100">
+            <a:solidFill>
+              <a:schemeClr val="accent6"/>
+            </a:solidFill>
+          </a:ln>
+        </p:spPr>
+        <p:style>
+          <a:lnRef idx="1">
+            <a:schemeClr val="accent1"/>
+          </a:lnRef>
+          <a:fillRef idx="0">
+            <a:schemeClr val="accent1"/>
+          </a:fillRef>
+          <a:effectRef idx="0">
+            <a:schemeClr val="accent1"/>
+          </a:effectRef>
+          <a:fontRef idx="minor">
+            <a:schemeClr val="tx1"/>
+          </a:fontRef>
+        </p:style>
+      </p:cxnSp>
+      <p:cxnSp>
+        <p:nvCxnSpPr>
+          <p:cNvPr id="23" name="Connecteur droit 22">
+            <a:extLst>
+              <a:ext uri="{FF2B5EF4-FFF2-40B4-BE49-F238E27FC236}">
+                <a16:creationId xmlns:a16="http://schemas.microsoft.com/office/drawing/2014/main" id="{0AB5479E-60CA-4BED-8267-F503AA86832F}"/>
+              </a:ext>
+            </a:extLst>
+          </p:cNvPr>
+          <p:cNvCxnSpPr>
+            <a:cxnSpLocks/>
+          </p:cNvCxnSpPr>
+          <p:nvPr/>
+        </p:nvCxnSpPr>
+        <p:spPr>
+          <a:xfrm flipV="1">
+            <a:off x="7008634" y="3331230"/>
+            <a:ext cx="2225041" cy="731521"/>
+          </a:xfrm>
+          <a:prstGeom prst="line">
+            <a:avLst/>
+          </a:prstGeom>
+          <a:ln w="38100">
+            <a:solidFill>
+              <a:schemeClr val="accent6"/>
+            </a:solidFill>
+          </a:ln>
+        </p:spPr>
+        <p:style>
+          <a:lnRef idx="1">
+            <a:schemeClr val="accent1"/>
+          </a:lnRef>
+          <a:fillRef idx="0">
+            <a:schemeClr val="accent1"/>
+          </a:fillRef>
+          <a:effectRef idx="0">
+            <a:schemeClr val="accent1"/>
+          </a:effectRef>
+          <a:fontRef idx="minor">
+            <a:schemeClr val="tx1"/>
+          </a:fontRef>
+        </p:style>
+      </p:cxnSp>
+      <p:cxnSp>
+        <p:nvCxnSpPr>
+          <p:cNvPr id="24" name="Connecteur droit 23">
+            <a:extLst>
+              <a:ext uri="{FF2B5EF4-FFF2-40B4-BE49-F238E27FC236}">
+                <a16:creationId xmlns:a16="http://schemas.microsoft.com/office/drawing/2014/main" id="{4EE4A4EC-AEE4-433F-BA96-EBE4C4BECEDE}"/>
+              </a:ext>
+            </a:extLst>
+          </p:cNvPr>
+          <p:cNvCxnSpPr>
+            <a:cxnSpLocks/>
+          </p:cNvCxnSpPr>
+          <p:nvPr/>
+        </p:nvCxnSpPr>
+        <p:spPr>
+          <a:xfrm>
+            <a:off x="7008635" y="4062750"/>
+            <a:ext cx="0" cy="924560"/>
+          </a:xfrm>
+          <a:prstGeom prst="line">
+            <a:avLst/>
+          </a:prstGeom>
+          <a:ln w="38100">
+            <a:solidFill>
+              <a:schemeClr val="accent6"/>
+            </a:solidFill>
+          </a:ln>
+        </p:spPr>
+        <p:style>
+          <a:lnRef idx="1">
+            <a:schemeClr val="accent1"/>
+          </a:lnRef>
+          <a:fillRef idx="0">
+            <a:schemeClr val="accent1"/>
+          </a:fillRef>
+          <a:effectRef idx="0">
+            <a:schemeClr val="accent1"/>
+          </a:effectRef>
+          <a:fontRef idx="minor">
+            <a:schemeClr val="tx1"/>
+          </a:fontRef>
+        </p:style>
+      </p:cxnSp>
+      <p:cxnSp>
+        <p:nvCxnSpPr>
+          <p:cNvPr id="25" name="Connecteur droit 24">
+            <a:extLst>
+              <a:ext uri="{FF2B5EF4-FFF2-40B4-BE49-F238E27FC236}">
+                <a16:creationId xmlns:a16="http://schemas.microsoft.com/office/drawing/2014/main" id="{AD8BFD98-584B-4D43-85D6-912CAFB8B124}"/>
+              </a:ext>
+            </a:extLst>
+          </p:cNvPr>
+          <p:cNvCxnSpPr>
+            <a:cxnSpLocks/>
+          </p:cNvCxnSpPr>
+          <p:nvPr/>
+        </p:nvCxnSpPr>
+        <p:spPr>
+          <a:xfrm flipV="1">
+            <a:off x="9233675" y="3331230"/>
+            <a:ext cx="0" cy="924560"/>
+          </a:xfrm>
+          <a:prstGeom prst="line">
+            <a:avLst/>
+          </a:prstGeom>
+          <a:ln w="38100">
+            <a:solidFill>
+              <a:schemeClr val="accent6"/>
+            </a:solidFill>
+          </a:ln>
+        </p:spPr>
+        <p:style>
+          <a:lnRef idx="1">
+            <a:schemeClr val="accent1"/>
+          </a:lnRef>
+          <a:fillRef idx="0">
+            <a:schemeClr val="accent1"/>
+          </a:fillRef>
+          <a:effectRef idx="0">
+            <a:schemeClr val="accent1"/>
+          </a:effectRef>
+          <a:fontRef idx="minor">
+            <a:schemeClr val="tx1"/>
+          </a:fontRef>
+        </p:style>
+      </p:cxnSp>
+      <p:cxnSp>
+        <p:nvCxnSpPr>
+          <p:cNvPr id="32" name="Connecteur droit avec flèche 31">
+            <a:extLst>
+              <a:ext uri="{FF2B5EF4-FFF2-40B4-BE49-F238E27FC236}">
+                <a16:creationId xmlns:a16="http://schemas.microsoft.com/office/drawing/2014/main" id="{142F7261-BB99-47CD-B2EF-4F7BBF2B11F3}"/>
+              </a:ext>
+            </a:extLst>
+          </p:cNvPr>
+          <p:cNvCxnSpPr>
+            <a:stCxn id="5" idx="2"/>
+          </p:cNvCxnSpPr>
+          <p:nvPr/>
+        </p:nvCxnSpPr>
+        <p:spPr>
+          <a:xfrm>
+            <a:off x="3579639" y="4647000"/>
+            <a:ext cx="0" cy="727640"/>
+          </a:xfrm>
+          <a:prstGeom prst="straightConnector1">
+            <a:avLst/>
+          </a:prstGeom>
+          <a:ln w="38100">
+            <a:solidFill>
+              <a:srgbClr val="FF0000"/>
+            </a:solidFill>
+            <a:tailEnd type="triangle"/>
+          </a:ln>
+        </p:spPr>
+        <p:style>
+          <a:lnRef idx="1">
+            <a:schemeClr val="accent1"/>
+          </a:lnRef>
+          <a:fillRef idx="0">
+            <a:schemeClr val="accent1"/>
+          </a:fillRef>
+          <a:effectRef idx="0">
+            <a:schemeClr val="accent1"/>
+          </a:effectRef>
+          <a:fontRef idx="minor">
+            <a:schemeClr val="tx1"/>
+          </a:fontRef>
+        </p:style>
+      </p:cxnSp>
+      <p:cxnSp>
+        <p:nvCxnSpPr>
+          <p:cNvPr id="33" name="Connecteur droit avec flèche 32">
+            <a:extLst>
+              <a:ext uri="{FF2B5EF4-FFF2-40B4-BE49-F238E27FC236}">
+                <a16:creationId xmlns:a16="http://schemas.microsoft.com/office/drawing/2014/main" id="{6F068023-5F44-4301-84D4-44B10CD42DC0}"/>
+              </a:ext>
+            </a:extLst>
+          </p:cNvPr>
+          <p:cNvCxnSpPr>
+            <a:cxnSpLocks/>
+          </p:cNvCxnSpPr>
+          <p:nvPr/>
+        </p:nvCxnSpPr>
+        <p:spPr>
+          <a:xfrm>
+            <a:off x="3579639" y="4647000"/>
+            <a:ext cx="575801" cy="0"/>
+          </a:xfrm>
+          <a:prstGeom prst="straightConnector1">
+            <a:avLst/>
+          </a:prstGeom>
+          <a:ln w="38100">
+            <a:solidFill>
+              <a:srgbClr val="FF0000"/>
+            </a:solidFill>
+            <a:tailEnd type="triangle"/>
+          </a:ln>
+        </p:spPr>
+        <p:style>
+          <a:lnRef idx="1">
+            <a:schemeClr val="accent1"/>
+          </a:lnRef>
+          <a:fillRef idx="0">
+            <a:schemeClr val="accent1"/>
+          </a:fillRef>
+          <a:effectRef idx="0">
+            <a:schemeClr val="accent1"/>
+          </a:effectRef>
+          <a:fontRef idx="minor">
+            <a:schemeClr val="tx1"/>
+          </a:fontRef>
+        </p:style>
+      </p:cxnSp>
+      <p:cxnSp>
+        <p:nvCxnSpPr>
+          <p:cNvPr id="35" name="Connecteur droit avec flèche 34">
+            <a:extLst>
+              <a:ext uri="{FF2B5EF4-FFF2-40B4-BE49-F238E27FC236}">
+                <a16:creationId xmlns:a16="http://schemas.microsoft.com/office/drawing/2014/main" id="{89256AD2-0FD4-4F2D-B297-B113BBC95FBD}"/>
+              </a:ext>
+            </a:extLst>
+          </p:cNvPr>
+          <p:cNvCxnSpPr>
+            <a:cxnSpLocks/>
+          </p:cNvCxnSpPr>
+          <p:nvPr/>
+        </p:nvCxnSpPr>
+        <p:spPr>
+          <a:xfrm flipV="1">
+            <a:off x="3579639" y="4062750"/>
+            <a:ext cx="249698" cy="584250"/>
+          </a:xfrm>
+          <a:prstGeom prst="straightConnector1">
+            <a:avLst/>
+          </a:prstGeom>
+          <a:ln w="38100">
+            <a:solidFill>
+              <a:srgbClr val="FF0000"/>
+            </a:solidFill>
+            <a:tailEnd type="triangle"/>
+          </a:ln>
+        </p:spPr>
+        <p:style>
+          <a:lnRef idx="1">
+            <a:schemeClr val="accent1"/>
+          </a:lnRef>
+          <a:fillRef idx="0">
+            <a:schemeClr val="accent1"/>
+          </a:fillRef>
+          <a:effectRef idx="0">
+            <a:schemeClr val="accent1"/>
+          </a:effectRef>
+          <a:fontRef idx="minor">
+            <a:schemeClr val="tx1"/>
+          </a:fontRef>
+        </p:style>
+      </p:cxnSp>
+      <p:cxnSp>
+        <p:nvCxnSpPr>
+          <p:cNvPr id="38" name="Connecteur droit avec flèche 37">
+            <a:extLst>
+              <a:ext uri="{FF2B5EF4-FFF2-40B4-BE49-F238E27FC236}">
+                <a16:creationId xmlns:a16="http://schemas.microsoft.com/office/drawing/2014/main" id="{836893D6-0AED-4DB5-8B2D-87DF70F08A6D}"/>
+              </a:ext>
+            </a:extLst>
+          </p:cNvPr>
+          <p:cNvCxnSpPr>
+            <a:cxnSpLocks/>
+          </p:cNvCxnSpPr>
+          <p:nvPr/>
+        </p:nvCxnSpPr>
+        <p:spPr>
+          <a:xfrm>
+            <a:off x="8980556" y="4637763"/>
+            <a:ext cx="0" cy="727640"/>
+          </a:xfrm>
+          <a:prstGeom prst="straightConnector1">
+            <a:avLst/>
+          </a:prstGeom>
+          <a:ln w="38100">
+            <a:solidFill>
+              <a:srgbClr val="FF0000"/>
+            </a:solidFill>
+            <a:tailEnd type="triangle"/>
+          </a:ln>
+        </p:spPr>
+        <p:style>
+          <a:lnRef idx="1">
+            <a:schemeClr val="accent1"/>
+          </a:lnRef>
+          <a:fillRef idx="0">
+            <a:schemeClr val="accent1"/>
+          </a:fillRef>
+          <a:effectRef idx="0">
+            <a:schemeClr val="accent1"/>
+          </a:effectRef>
+          <a:fontRef idx="minor">
+            <a:schemeClr val="tx1"/>
+          </a:fontRef>
+        </p:style>
+      </p:cxnSp>
+      <p:cxnSp>
+        <p:nvCxnSpPr>
+          <p:cNvPr id="39" name="Connecteur droit avec flèche 38">
+            <a:extLst>
+              <a:ext uri="{FF2B5EF4-FFF2-40B4-BE49-F238E27FC236}">
+                <a16:creationId xmlns:a16="http://schemas.microsoft.com/office/drawing/2014/main" id="{96E2227B-7457-419C-AEF9-B370A1A55315}"/>
+              </a:ext>
+            </a:extLst>
+          </p:cNvPr>
+          <p:cNvCxnSpPr>
+            <a:cxnSpLocks/>
+          </p:cNvCxnSpPr>
+          <p:nvPr/>
+        </p:nvCxnSpPr>
+        <p:spPr>
+          <a:xfrm flipV="1">
+            <a:off x="8980556" y="4335328"/>
+            <a:ext cx="661615" cy="302435"/>
+          </a:xfrm>
+          <a:prstGeom prst="straightConnector1">
+            <a:avLst/>
+          </a:prstGeom>
+          <a:ln w="38100">
+            <a:solidFill>
+              <a:srgbClr val="FF0000"/>
+            </a:solidFill>
+            <a:tailEnd type="triangle"/>
+          </a:ln>
+        </p:spPr>
+        <p:style>
+          <a:lnRef idx="1">
+            <a:schemeClr val="accent1"/>
+          </a:lnRef>
+          <a:fillRef idx="0">
+            <a:schemeClr val="accent1"/>
+          </a:fillRef>
+          <a:effectRef idx="0">
+            <a:schemeClr val="accent1"/>
+          </a:effectRef>
+          <a:fontRef idx="minor">
+            <a:schemeClr val="tx1"/>
+          </a:fontRef>
+        </p:style>
+      </p:cxnSp>
+      <p:cxnSp>
+        <p:nvCxnSpPr>
+          <p:cNvPr id="40" name="Connecteur droit avec flèche 39">
+            <a:extLst>
+              <a:ext uri="{FF2B5EF4-FFF2-40B4-BE49-F238E27FC236}">
+                <a16:creationId xmlns:a16="http://schemas.microsoft.com/office/drawing/2014/main" id="{22C19F47-A552-40C5-9BF8-94E4A778917F}"/>
+              </a:ext>
+            </a:extLst>
+          </p:cNvPr>
+          <p:cNvCxnSpPr>
+            <a:cxnSpLocks/>
+          </p:cNvCxnSpPr>
+          <p:nvPr/>
+        </p:nvCxnSpPr>
+        <p:spPr>
+          <a:xfrm flipH="1" flipV="1">
+            <a:off x="8652790" y="4014418"/>
+            <a:ext cx="327766" cy="623346"/>
+          </a:xfrm>
+          <a:prstGeom prst="straightConnector1">
+            <a:avLst/>
+          </a:prstGeom>
+          <a:ln w="38100">
+            <a:solidFill>
+              <a:srgbClr val="FF0000"/>
+            </a:solidFill>
+            <a:tailEnd type="triangle"/>
+          </a:ln>
+        </p:spPr>
+        <p:style>
+          <a:lnRef idx="1">
+            <a:schemeClr val="accent1"/>
+          </a:lnRef>
+          <a:fillRef idx="0">
+            <a:schemeClr val="accent1"/>
+          </a:fillRef>
+          <a:effectRef idx="0">
+            <a:schemeClr val="accent1"/>
+          </a:effectRef>
+          <a:fontRef idx="minor">
+            <a:schemeClr val="tx1"/>
+          </a:fontRef>
+        </p:style>
+      </p:cxnSp>
+      <p:sp>
+        <p:nvSpPr>
+          <p:cNvPr id="47" name="ZoneTexte 46">
+            <a:extLst>
+              <a:ext uri="{FF2B5EF4-FFF2-40B4-BE49-F238E27FC236}">
+                <a16:creationId xmlns:a16="http://schemas.microsoft.com/office/drawing/2014/main" id="{2D5F99BF-405A-4F7E-B7FD-316EB0275494}"/>
+              </a:ext>
+            </a:extLst>
+          </p:cNvPr>
+          <p:cNvSpPr txBox="1"/>
+          <p:nvPr/>
+        </p:nvSpPr>
+        <p:spPr>
+          <a:xfrm>
+            <a:off x="3006919" y="4462333"/>
+            <a:ext cx="914400" cy="369332"/>
+          </a:xfrm>
+          <a:prstGeom prst="rect">
+            <a:avLst/>
+          </a:prstGeom>
+          <a:noFill/>
+        </p:spPr>
+        <p:txBody>
+          <a:bodyPr wrap="square" rtlCol="0">
+            <a:spAutoFit/>
+          </a:bodyPr>
+          <a:lstStyle/>
+          <a:p>
+            <a:r>
+              <a:rPr lang="fr-FR" dirty="0">
+                <a:solidFill>
+                  <a:srgbClr val="FF0000"/>
+                </a:solidFill>
+              </a:rPr>
+              <a:t>O1</a:t>
+            </a:r>
+            <a:endParaRPr lang="en-GB" dirty="0">
+              <a:solidFill>
+                <a:srgbClr val="FF0000"/>
+              </a:solidFill>
+            </a:endParaRPr>
+          </a:p>
+        </p:txBody>
+      </p:sp>
+      <p:sp>
+        <p:nvSpPr>
+          <p:cNvPr id="48" name="ZoneTexte 47">
+            <a:extLst>
+              <a:ext uri="{FF2B5EF4-FFF2-40B4-BE49-F238E27FC236}">
+                <a16:creationId xmlns:a16="http://schemas.microsoft.com/office/drawing/2014/main" id="{26144119-01BE-4B1D-A025-41DF4DA7ECE2}"/>
+              </a:ext>
+            </a:extLst>
+          </p:cNvPr>
+          <p:cNvSpPr txBox="1"/>
+          <p:nvPr/>
+        </p:nvSpPr>
+        <p:spPr>
+          <a:xfrm>
+            <a:off x="9230253" y="4554951"/>
+            <a:ext cx="914400" cy="369332"/>
+          </a:xfrm>
+          <a:prstGeom prst="rect">
+            <a:avLst/>
+          </a:prstGeom>
+          <a:noFill/>
+        </p:spPr>
+        <p:txBody>
+          <a:bodyPr wrap="square" rtlCol="0">
+            <a:spAutoFit/>
+          </a:bodyPr>
+          <a:lstStyle/>
+          <a:p>
+            <a:r>
+              <a:rPr lang="fr-FR" dirty="0">
+                <a:solidFill>
+                  <a:srgbClr val="FF0000"/>
+                </a:solidFill>
+              </a:rPr>
+              <a:t>O2</a:t>
+            </a:r>
+            <a:endParaRPr lang="en-GB" dirty="0">
+              <a:solidFill>
+                <a:srgbClr val="FF0000"/>
+              </a:solidFill>
+            </a:endParaRPr>
+          </a:p>
+        </p:txBody>
+      </p:sp>
+      <p:sp>
+        <p:nvSpPr>
+          <p:cNvPr id="49" name="ZoneTexte 48">
+            <a:extLst>
+              <a:ext uri="{FF2B5EF4-FFF2-40B4-BE49-F238E27FC236}">
+                <a16:creationId xmlns:a16="http://schemas.microsoft.com/office/drawing/2014/main" id="{B3727ED7-142A-4A7C-9F60-3FD4C709BC5B}"/>
+              </a:ext>
+            </a:extLst>
+          </p:cNvPr>
+          <p:cNvSpPr txBox="1"/>
+          <p:nvPr/>
+        </p:nvSpPr>
+        <p:spPr>
+          <a:xfrm>
+            <a:off x="1597765" y="4606922"/>
+            <a:ext cx="1405731" cy="584775"/>
+          </a:xfrm>
+          <a:prstGeom prst="rect">
+            <a:avLst/>
+          </a:prstGeom>
+          <a:noFill/>
+        </p:spPr>
+        <p:txBody>
+          <a:bodyPr wrap="square" rtlCol="0">
+            <a:spAutoFit/>
+          </a:bodyPr>
+          <a:lstStyle/>
+          <a:p>
+            <a:r>
+              <a:rPr lang="fr-FR" sz="3200" dirty="0">
+                <a:solidFill>
+                  <a:srgbClr val="7030A0"/>
+                </a:solidFill>
+              </a:rPr>
+              <a:t>[R1 t1]</a:t>
+            </a:r>
+            <a:endParaRPr lang="en-GB" sz="3200" dirty="0">
+              <a:solidFill>
+                <a:srgbClr val="7030A0"/>
+              </a:solidFill>
+            </a:endParaRPr>
+          </a:p>
+        </p:txBody>
+      </p:sp>
+      <p:sp>
+        <p:nvSpPr>
+          <p:cNvPr id="54" name="Forme libre : forme 53">
+            <a:extLst>
+              <a:ext uri="{FF2B5EF4-FFF2-40B4-BE49-F238E27FC236}">
+                <a16:creationId xmlns:a16="http://schemas.microsoft.com/office/drawing/2014/main" id="{6F1B527B-12CB-4E5A-A1A1-A3990A4A1C1D}"/>
+              </a:ext>
+            </a:extLst>
+          </p:cNvPr>
+          <p:cNvSpPr/>
+          <p:nvPr/>
+        </p:nvSpPr>
+        <p:spPr>
+          <a:xfrm>
+            <a:off x="4477432" y="5434524"/>
+            <a:ext cx="3403600" cy="762005"/>
+          </a:xfrm>
+          <a:custGeom>
+            <a:avLst/>
+            <a:gdLst>
+              <a:gd name="connsiteX0" fmla="*/ 0 w 3403600"/>
+              <a:gd name="connsiteY0" fmla="*/ 10160 h 762005"/>
+              <a:gd name="connsiteX1" fmla="*/ 1778000 w 3403600"/>
+              <a:gd name="connsiteY1" fmla="*/ 762000 h 762005"/>
+              <a:gd name="connsiteX2" fmla="*/ 3403600 w 3403600"/>
+              <a:gd name="connsiteY2" fmla="*/ 0 h 762005"/>
+            </a:gdLst>
+            <a:ahLst/>
+            <a:cxnLst>
+              <a:cxn ang="0">
+                <a:pos x="connsiteX0" y="connsiteY0"/>
+              </a:cxn>
+              <a:cxn ang="0">
+                <a:pos x="connsiteX1" y="connsiteY1"/>
+              </a:cxn>
+              <a:cxn ang="0">
+                <a:pos x="connsiteX2" y="connsiteY2"/>
+              </a:cxn>
+            </a:cxnLst>
+            <a:rect l="l" t="t" r="r" b="b"/>
+            <a:pathLst>
+              <a:path w="3403600" h="762005">
+                <a:moveTo>
+                  <a:pt x="0" y="10160"/>
+                </a:moveTo>
+                <a:cubicBezTo>
+                  <a:pt x="605366" y="386926"/>
+                  <a:pt x="1210733" y="763693"/>
+                  <a:pt x="1778000" y="762000"/>
+                </a:cubicBezTo>
+                <a:cubicBezTo>
+                  <a:pt x="2345267" y="760307"/>
+                  <a:pt x="3059853" y="181187"/>
+                  <a:pt x="3403600" y="0"/>
+                </a:cubicBezTo>
+              </a:path>
+            </a:pathLst>
+          </a:custGeom>
+          <a:noFill/>
+          <a:ln w="57150">
+            <a:solidFill>
+              <a:schemeClr val="tx1"/>
+            </a:solidFill>
+            <a:headEnd type="none" w="med" len="med"/>
+            <a:tailEnd type="triangle" w="med" len="med"/>
+          </a:ln>
+        </p:spPr>
+        <p:style>
+          <a:lnRef idx="2">
+            <a:schemeClr val="accent1">
+              <a:shade val="50000"/>
+            </a:schemeClr>
+          </a:lnRef>
+          <a:fillRef idx="1">
+            <a:schemeClr val="accent1"/>
+          </a:fillRef>
+          <a:effectRef idx="0">
+            <a:schemeClr val="accent1"/>
+          </a:effectRef>
+          <a:fontRef idx="minor">
+            <a:schemeClr val="lt1"/>
+          </a:fontRef>
+        </p:style>
+        <p:txBody>
+          <a:bodyPr rtlCol="0" anchor="ctr"/>
+          <a:lstStyle/>
+          <a:p>
+            <a:pPr algn="ctr"/>
+            <a:endParaRPr lang="en-GB"/>
+          </a:p>
+        </p:txBody>
+      </p:sp>
+      <p:sp>
+        <p:nvSpPr>
+          <p:cNvPr id="55" name="ZoneTexte 54">
+            <a:extLst>
+              <a:ext uri="{FF2B5EF4-FFF2-40B4-BE49-F238E27FC236}">
+                <a16:creationId xmlns:a16="http://schemas.microsoft.com/office/drawing/2014/main" id="{851DC0D9-92BD-42C4-A2A0-514C85F0822D}"/>
+              </a:ext>
+            </a:extLst>
+          </p:cNvPr>
+          <p:cNvSpPr txBox="1"/>
+          <p:nvPr/>
+        </p:nvSpPr>
+        <p:spPr>
+          <a:xfrm>
+            <a:off x="5824994" y="6196529"/>
+            <a:ext cx="2590800" cy="584775"/>
+          </a:xfrm>
+          <a:prstGeom prst="rect">
+            <a:avLst/>
+          </a:prstGeom>
+          <a:noFill/>
+        </p:spPr>
+        <p:txBody>
+          <a:bodyPr wrap="square" rtlCol="0">
+            <a:spAutoFit/>
+          </a:bodyPr>
+          <a:lstStyle/>
+          <a:p>
+            <a:r>
+              <a:rPr lang="fr-FR" sz="3200" dirty="0"/>
+              <a:t>[R t]</a:t>
+            </a:r>
+            <a:endParaRPr lang="en-GB" sz="3200" dirty="0"/>
+          </a:p>
+        </p:txBody>
+      </p:sp>
+      <p:sp>
+        <p:nvSpPr>
+          <p:cNvPr id="56" name="ZoneTexte 55">
+            <a:extLst>
+              <a:ext uri="{FF2B5EF4-FFF2-40B4-BE49-F238E27FC236}">
+                <a16:creationId xmlns:a16="http://schemas.microsoft.com/office/drawing/2014/main" id="{FF3415B6-90CD-4F07-8E49-433C30EB8C67}"/>
+              </a:ext>
+            </a:extLst>
+          </p:cNvPr>
+          <p:cNvSpPr txBox="1"/>
+          <p:nvPr/>
+        </p:nvSpPr>
+        <p:spPr>
+          <a:xfrm>
+            <a:off x="10005831" y="4416590"/>
+            <a:ext cx="2590800" cy="584775"/>
+          </a:xfrm>
+          <a:prstGeom prst="rect">
+            <a:avLst/>
+          </a:prstGeom>
+          <a:noFill/>
+          <a:ln>
+            <a:noFill/>
+          </a:ln>
+        </p:spPr>
+        <p:txBody>
+          <a:bodyPr wrap="square" rtlCol="0">
+            <a:spAutoFit/>
+          </a:bodyPr>
+          <a:lstStyle/>
+          <a:p>
+            <a:r>
+              <a:rPr lang="fr-FR" sz="3200" dirty="0">
+                <a:solidFill>
+                  <a:schemeClr val="accent6"/>
+                </a:solidFill>
+              </a:rPr>
+              <a:t>[R2 t2]</a:t>
+            </a:r>
+            <a:endParaRPr lang="en-GB" sz="3200" dirty="0">
+              <a:solidFill>
+                <a:schemeClr val="accent6"/>
+              </a:solidFill>
+            </a:endParaRPr>
+          </a:p>
+        </p:txBody>
+      </p:sp>
+    </p:spTree>
+    <p:extLst>
+      <p:ext uri="{BB962C8B-B14F-4D97-AF65-F5344CB8AC3E}">
+        <p14:creationId xmlns:p14="http://schemas.microsoft.com/office/powerpoint/2010/main" val="1975387634"/>
+      </p:ext>
+    </p:extLst>
+  </p:cSld>
+  <p:clrMapOvr>
+    <a:masterClrMapping/>
+  </p:clrMapOvr>
+</p:sld>
+</file>
+
+<file path=ppt/slides/slide4.xml><?xml version="1.0" encoding="utf-8"?>
+<p:sld xmlns:a="http://schemas.openxmlformats.org/drawingml/2006/main" xmlns:r="http://schemas.openxmlformats.org/officeDocument/2006/relationships" xmlns:p="http://schemas.openxmlformats.org/presentationml/2006/main">
+  <p:cSld>
+    <p:spTree>
+      <p:nvGrpSpPr>
+        <p:cNvPr id="1" name=""/>
+        <p:cNvGrpSpPr/>
+        <p:nvPr/>
+      </p:nvGrpSpPr>
+      <p:grpSpPr>
+        <a:xfrm>
+          <a:off x="0" y="0"/>
+          <a:ext cx="0" cy="0"/>
+          <a:chOff x="0" y="0"/>
+          <a:chExt cx="0" cy="0"/>
+        </a:xfrm>
+      </p:grpSpPr>
+      <p:sp>
+        <p:nvSpPr>
+          <p:cNvPr id="10" name="Rectangle 9">
+            <a:extLst>
+              <a:ext uri="{FF2B5EF4-FFF2-40B4-BE49-F238E27FC236}">
+                <a16:creationId xmlns:a16="http://schemas.microsoft.com/office/drawing/2014/main" id="{D569684A-27DC-47C8-9FA4-7E7254164D51}"/>
+              </a:ext>
+            </a:extLst>
+          </p:cNvPr>
+          <p:cNvSpPr/>
+          <p:nvPr/>
+        </p:nvSpPr>
+        <p:spPr>
+          <a:xfrm>
+            <a:off x="4589586" y="1513840"/>
+            <a:ext cx="683454" cy="487680"/>
+          </a:xfrm>
+          <a:prstGeom prst="rect">
+            <a:avLst/>
+          </a:prstGeom>
+          <a:solidFill>
+            <a:schemeClr val="bg1"/>
+          </a:solidFill>
+          <a:ln>
+            <a:solidFill>
+              <a:schemeClr val="bg1"/>
+            </a:solidFill>
+          </a:ln>
+        </p:spPr>
+        <p:style>
+          <a:lnRef idx="2">
+            <a:schemeClr val="accent1">
+              <a:shade val="50000"/>
+            </a:schemeClr>
+          </a:lnRef>
+          <a:fillRef idx="1">
+            <a:schemeClr val="accent1"/>
+          </a:fillRef>
+          <a:effectRef idx="0">
+            <a:schemeClr val="accent1"/>
+          </a:effectRef>
+          <a:fontRef idx="minor">
+            <a:schemeClr val="lt1"/>
+          </a:fontRef>
+        </p:style>
+        <p:txBody>
+          <a:bodyPr rtlCol="0" anchor="ctr"/>
+          <a:lstStyle/>
+          <a:p>
+            <a:pPr algn="ctr"/>
+            <a:endParaRPr lang="en-GB"/>
+          </a:p>
+        </p:txBody>
+      </p:sp>
+      <p:cxnSp>
+        <p:nvCxnSpPr>
+          <p:cNvPr id="14" name="Connecteur droit avec flèche 13">
+            <a:extLst>
+              <a:ext uri="{FF2B5EF4-FFF2-40B4-BE49-F238E27FC236}">
+                <a16:creationId xmlns:a16="http://schemas.microsoft.com/office/drawing/2014/main" id="{DC2F63F5-83F9-4D53-A9A0-DE40587F70B9}"/>
+              </a:ext>
+            </a:extLst>
+          </p:cNvPr>
+          <p:cNvCxnSpPr>
+            <a:cxnSpLocks/>
+          </p:cNvCxnSpPr>
+          <p:nvPr/>
+        </p:nvCxnSpPr>
+        <p:spPr>
+          <a:xfrm>
+            <a:off x="3599959" y="3834200"/>
+            <a:ext cx="453881" cy="422840"/>
+          </a:xfrm>
+          <a:prstGeom prst="straightConnector1">
+            <a:avLst/>
+          </a:prstGeom>
+          <a:ln w="38100">
+            <a:solidFill>
+              <a:srgbClr val="FF0000"/>
+            </a:solidFill>
+            <a:tailEnd type="triangle"/>
+          </a:ln>
+        </p:spPr>
+        <p:style>
+          <a:lnRef idx="1">
+            <a:schemeClr val="accent1"/>
+          </a:lnRef>
+          <a:fillRef idx="0">
+            <a:schemeClr val="accent1"/>
+          </a:fillRef>
+          <a:effectRef idx="0">
+            <a:schemeClr val="accent1"/>
+          </a:effectRef>
+          <a:fontRef idx="minor">
+            <a:schemeClr val="tx1"/>
+          </a:fontRef>
+        </p:style>
+      </p:cxnSp>
+      <p:cxnSp>
+        <p:nvCxnSpPr>
+          <p:cNvPr id="15" name="Connecteur droit avec flèche 14">
+            <a:extLst>
+              <a:ext uri="{FF2B5EF4-FFF2-40B4-BE49-F238E27FC236}">
+                <a16:creationId xmlns:a16="http://schemas.microsoft.com/office/drawing/2014/main" id="{0B2D9D82-4B75-44DB-9FBF-E98F8D2D0F74}"/>
+              </a:ext>
+            </a:extLst>
+          </p:cNvPr>
+          <p:cNvCxnSpPr>
+            <a:cxnSpLocks/>
+          </p:cNvCxnSpPr>
+          <p:nvPr/>
+        </p:nvCxnSpPr>
+        <p:spPr>
+          <a:xfrm flipV="1">
+            <a:off x="3599959" y="3556000"/>
+            <a:ext cx="626601" cy="278200"/>
+          </a:xfrm>
+          <a:prstGeom prst="straightConnector1">
+            <a:avLst/>
+          </a:prstGeom>
+          <a:ln w="38100">
+            <a:solidFill>
+              <a:srgbClr val="FF0000"/>
+            </a:solidFill>
+            <a:tailEnd type="triangle"/>
+          </a:ln>
+        </p:spPr>
+        <p:style>
+          <a:lnRef idx="1">
+            <a:schemeClr val="accent1"/>
+          </a:lnRef>
+          <a:fillRef idx="0">
+            <a:schemeClr val="accent1"/>
+          </a:fillRef>
+          <a:effectRef idx="0">
+            <a:schemeClr val="accent1"/>
+          </a:effectRef>
+          <a:fontRef idx="minor">
+            <a:schemeClr val="tx1"/>
+          </a:fontRef>
+        </p:style>
+      </p:cxnSp>
+      <p:cxnSp>
+        <p:nvCxnSpPr>
+          <p:cNvPr id="16" name="Connecteur droit avec flèche 15">
+            <a:extLst>
+              <a:ext uri="{FF2B5EF4-FFF2-40B4-BE49-F238E27FC236}">
+                <a16:creationId xmlns:a16="http://schemas.microsoft.com/office/drawing/2014/main" id="{E02BE4D8-0976-42AE-AB91-0CD5BB7475D4}"/>
+              </a:ext>
+            </a:extLst>
+          </p:cNvPr>
+          <p:cNvCxnSpPr>
+            <a:cxnSpLocks/>
+          </p:cNvCxnSpPr>
+          <p:nvPr/>
+        </p:nvCxnSpPr>
+        <p:spPr>
+          <a:xfrm flipV="1">
+            <a:off x="3599959" y="3261360"/>
+            <a:ext cx="0" cy="572840"/>
+          </a:xfrm>
+          <a:prstGeom prst="straightConnector1">
+            <a:avLst/>
+          </a:prstGeom>
+          <a:ln w="38100">
+            <a:solidFill>
+              <a:srgbClr val="FF0000"/>
+            </a:solidFill>
+            <a:tailEnd type="triangle"/>
+          </a:ln>
+        </p:spPr>
+        <p:style>
+          <a:lnRef idx="1">
+            <a:schemeClr val="accent1"/>
+          </a:lnRef>
+          <a:fillRef idx="0">
+            <a:schemeClr val="accent1"/>
+          </a:fillRef>
+          <a:effectRef idx="0">
+            <a:schemeClr val="accent1"/>
+          </a:effectRef>
+          <a:fontRef idx="minor">
+            <a:schemeClr val="tx1"/>
+          </a:fontRef>
+        </p:style>
+      </p:cxnSp>
+      <p:cxnSp>
+        <p:nvCxnSpPr>
+          <p:cNvPr id="27" name="Connecteur droit avec flèche 26">
+            <a:extLst>
+              <a:ext uri="{FF2B5EF4-FFF2-40B4-BE49-F238E27FC236}">
+                <a16:creationId xmlns:a16="http://schemas.microsoft.com/office/drawing/2014/main" id="{CEC6B12E-9ECB-4EE4-9D0F-E2BDB808C8EC}"/>
+              </a:ext>
+            </a:extLst>
+          </p:cNvPr>
+          <p:cNvCxnSpPr>
+            <a:cxnSpLocks/>
+          </p:cNvCxnSpPr>
+          <p:nvPr/>
+        </p:nvCxnSpPr>
+        <p:spPr>
+          <a:xfrm>
+            <a:off x="5955418" y="1757680"/>
+            <a:ext cx="453881" cy="422840"/>
+          </a:xfrm>
+          <a:prstGeom prst="straightConnector1">
+            <a:avLst/>
+          </a:prstGeom>
+          <a:ln w="38100">
+            <a:solidFill>
+              <a:srgbClr val="FF0000"/>
+            </a:solidFill>
+            <a:tailEnd type="triangle"/>
+          </a:ln>
+        </p:spPr>
+        <p:style>
+          <a:lnRef idx="1">
+            <a:schemeClr val="accent1"/>
+          </a:lnRef>
+          <a:fillRef idx="0">
+            <a:schemeClr val="accent1"/>
+          </a:fillRef>
+          <a:effectRef idx="0">
+            <a:schemeClr val="accent1"/>
+          </a:effectRef>
+          <a:fontRef idx="minor">
+            <a:schemeClr val="tx1"/>
+          </a:fontRef>
+        </p:style>
+      </p:cxnSp>
+      <p:cxnSp>
+        <p:nvCxnSpPr>
+          <p:cNvPr id="28" name="Connecteur droit avec flèche 27">
+            <a:extLst>
+              <a:ext uri="{FF2B5EF4-FFF2-40B4-BE49-F238E27FC236}">
+                <a16:creationId xmlns:a16="http://schemas.microsoft.com/office/drawing/2014/main" id="{B21A9600-B572-450F-9EC1-4C059265DFED}"/>
+              </a:ext>
+            </a:extLst>
+          </p:cNvPr>
+          <p:cNvCxnSpPr>
+            <a:cxnSpLocks/>
+          </p:cNvCxnSpPr>
+          <p:nvPr/>
+        </p:nvCxnSpPr>
+        <p:spPr>
+          <a:xfrm flipV="1">
+            <a:off x="5955418" y="1479480"/>
+            <a:ext cx="626601" cy="278200"/>
+          </a:xfrm>
+          <a:prstGeom prst="straightConnector1">
+            <a:avLst/>
+          </a:prstGeom>
+          <a:ln w="38100">
+            <a:solidFill>
+              <a:srgbClr val="FF0000"/>
+            </a:solidFill>
+            <a:tailEnd type="triangle"/>
+          </a:ln>
+        </p:spPr>
+        <p:style>
+          <a:lnRef idx="1">
+            <a:schemeClr val="accent1"/>
+          </a:lnRef>
+          <a:fillRef idx="0">
+            <a:schemeClr val="accent1"/>
+          </a:fillRef>
+          <a:effectRef idx="0">
+            <a:schemeClr val="accent1"/>
+          </a:effectRef>
+          <a:fontRef idx="minor">
+            <a:schemeClr val="tx1"/>
+          </a:fontRef>
+        </p:style>
+      </p:cxnSp>
+      <p:cxnSp>
+        <p:nvCxnSpPr>
+          <p:cNvPr id="29" name="Connecteur droit avec flèche 28">
+            <a:extLst>
+              <a:ext uri="{FF2B5EF4-FFF2-40B4-BE49-F238E27FC236}">
+                <a16:creationId xmlns:a16="http://schemas.microsoft.com/office/drawing/2014/main" id="{04EEA4E5-0186-4608-8E1E-8E6E4555D8C1}"/>
+              </a:ext>
+            </a:extLst>
+          </p:cNvPr>
+          <p:cNvCxnSpPr>
+            <a:cxnSpLocks/>
+          </p:cNvCxnSpPr>
+          <p:nvPr/>
+        </p:nvCxnSpPr>
+        <p:spPr>
+          <a:xfrm flipV="1">
+            <a:off x="5955418" y="1184840"/>
+            <a:ext cx="0" cy="572840"/>
+          </a:xfrm>
+          <a:prstGeom prst="straightConnector1">
+            <a:avLst/>
+          </a:prstGeom>
+          <a:ln w="38100">
+            <a:solidFill>
+              <a:srgbClr val="FF0000"/>
+            </a:solidFill>
+            <a:tailEnd type="triangle"/>
+          </a:ln>
+        </p:spPr>
+        <p:style>
+          <a:lnRef idx="1">
+            <a:schemeClr val="accent1"/>
+          </a:lnRef>
+          <a:fillRef idx="0">
+            <a:schemeClr val="accent1"/>
+          </a:fillRef>
+          <a:effectRef idx="0">
+            <a:schemeClr val="accent1"/>
+          </a:effectRef>
+          <a:fontRef idx="minor">
+            <a:schemeClr val="tx1"/>
+          </a:fontRef>
+        </p:style>
+      </p:cxnSp>
+      <p:cxnSp>
+        <p:nvCxnSpPr>
+          <p:cNvPr id="30" name="Connecteur droit avec flèche 29">
+            <a:extLst>
+              <a:ext uri="{FF2B5EF4-FFF2-40B4-BE49-F238E27FC236}">
+                <a16:creationId xmlns:a16="http://schemas.microsoft.com/office/drawing/2014/main" id="{FEC6E53F-44AB-49A3-A3D0-7E95AE9D14D2}"/>
+              </a:ext>
+            </a:extLst>
+          </p:cNvPr>
+          <p:cNvCxnSpPr>
+            <a:cxnSpLocks/>
+          </p:cNvCxnSpPr>
+          <p:nvPr/>
+        </p:nvCxnSpPr>
+        <p:spPr>
+          <a:xfrm>
+            <a:off x="7511561" y="3834200"/>
+            <a:ext cx="453881" cy="422840"/>
+          </a:xfrm>
+          <a:prstGeom prst="straightConnector1">
+            <a:avLst/>
+          </a:prstGeom>
+          <a:ln w="38100">
+            <a:solidFill>
+              <a:srgbClr val="FF0000"/>
+            </a:solidFill>
+            <a:tailEnd type="triangle"/>
+          </a:ln>
+        </p:spPr>
+        <p:style>
+          <a:lnRef idx="1">
+            <a:schemeClr val="accent1"/>
+          </a:lnRef>
+          <a:fillRef idx="0">
+            <a:schemeClr val="accent1"/>
+          </a:fillRef>
+          <a:effectRef idx="0">
+            <a:schemeClr val="accent1"/>
+          </a:effectRef>
+          <a:fontRef idx="minor">
+            <a:schemeClr val="tx1"/>
+          </a:fontRef>
+        </p:style>
+      </p:cxnSp>
+      <p:cxnSp>
+        <p:nvCxnSpPr>
+          <p:cNvPr id="31" name="Connecteur droit avec flèche 30">
+            <a:extLst>
+              <a:ext uri="{FF2B5EF4-FFF2-40B4-BE49-F238E27FC236}">
+                <a16:creationId xmlns:a16="http://schemas.microsoft.com/office/drawing/2014/main" id="{54547855-A18A-4217-A3E3-464C41CD49C6}"/>
+              </a:ext>
+            </a:extLst>
+          </p:cNvPr>
+          <p:cNvCxnSpPr>
+            <a:cxnSpLocks/>
+          </p:cNvCxnSpPr>
+          <p:nvPr/>
+        </p:nvCxnSpPr>
+        <p:spPr>
+          <a:xfrm flipV="1">
+            <a:off x="7511561" y="3556000"/>
+            <a:ext cx="626601" cy="278200"/>
+          </a:xfrm>
+          <a:prstGeom prst="straightConnector1">
+            <a:avLst/>
+          </a:prstGeom>
+          <a:ln w="38100">
+            <a:solidFill>
+              <a:srgbClr val="FF0000"/>
+            </a:solidFill>
+            <a:tailEnd type="triangle"/>
+          </a:ln>
+        </p:spPr>
+        <p:style>
+          <a:lnRef idx="1">
+            <a:schemeClr val="accent1"/>
+          </a:lnRef>
+          <a:fillRef idx="0">
+            <a:schemeClr val="accent1"/>
+          </a:fillRef>
+          <a:effectRef idx="0">
+            <a:schemeClr val="accent1"/>
+          </a:effectRef>
+          <a:fontRef idx="minor">
+            <a:schemeClr val="tx1"/>
+          </a:fontRef>
+        </p:style>
+      </p:cxnSp>
+      <p:cxnSp>
+        <p:nvCxnSpPr>
+          <p:cNvPr id="32" name="Connecteur droit avec flèche 31">
+            <a:extLst>
+              <a:ext uri="{FF2B5EF4-FFF2-40B4-BE49-F238E27FC236}">
+                <a16:creationId xmlns:a16="http://schemas.microsoft.com/office/drawing/2014/main" id="{3406D0C8-B520-40C2-80C8-A95E5833C9C7}"/>
+              </a:ext>
+            </a:extLst>
+          </p:cNvPr>
+          <p:cNvCxnSpPr>
+            <a:cxnSpLocks/>
+          </p:cNvCxnSpPr>
+          <p:nvPr/>
+        </p:nvCxnSpPr>
+        <p:spPr>
+          <a:xfrm flipV="1">
+            <a:off x="7511561" y="3261360"/>
+            <a:ext cx="0" cy="572840"/>
+          </a:xfrm>
+          <a:prstGeom prst="straightConnector1">
+            <a:avLst/>
+          </a:prstGeom>
+          <a:ln w="38100">
+            <a:solidFill>
+              <a:srgbClr val="FF0000"/>
+            </a:solidFill>
+            <a:tailEnd type="triangle"/>
+          </a:ln>
+        </p:spPr>
+        <p:style>
+          <a:lnRef idx="1">
+            <a:schemeClr val="accent1"/>
+          </a:lnRef>
+          <a:fillRef idx="0">
+            <a:schemeClr val="accent1"/>
+          </a:fillRef>
+          <a:effectRef idx="0">
+            <a:schemeClr val="accent1"/>
+          </a:effectRef>
+          <a:fontRef idx="minor">
+            <a:schemeClr val="tx1"/>
+          </a:fontRef>
+        </p:style>
+      </p:cxnSp>
+      <p:sp>
+        <p:nvSpPr>
+          <p:cNvPr id="33" name="Forme libre : forme 32">
+            <a:extLst>
+              <a:ext uri="{FF2B5EF4-FFF2-40B4-BE49-F238E27FC236}">
+                <a16:creationId xmlns:a16="http://schemas.microsoft.com/office/drawing/2014/main" id="{479DF4F0-B9CE-4EA7-A744-C239884FF998}"/>
+              </a:ext>
+            </a:extLst>
+          </p:cNvPr>
+          <p:cNvSpPr/>
+          <p:nvPr/>
+        </p:nvSpPr>
+        <p:spPr>
+          <a:xfrm rot="10800000" flipV="1">
+            <a:off x="4680439" y="3978841"/>
+            <a:ext cx="2351059" cy="278200"/>
+          </a:xfrm>
+          <a:custGeom>
+            <a:avLst/>
+            <a:gdLst>
+              <a:gd name="connsiteX0" fmla="*/ 0 w 3403600"/>
+              <a:gd name="connsiteY0" fmla="*/ 10160 h 762005"/>
+              <a:gd name="connsiteX1" fmla="*/ 1778000 w 3403600"/>
+              <a:gd name="connsiteY1" fmla="*/ 762000 h 762005"/>
+              <a:gd name="connsiteX2" fmla="*/ 3403600 w 3403600"/>
+              <a:gd name="connsiteY2" fmla="*/ 0 h 762005"/>
+            </a:gdLst>
+            <a:ahLst/>
+            <a:cxnLst>
+              <a:cxn ang="0">
+                <a:pos x="connsiteX0" y="connsiteY0"/>
+              </a:cxn>
+              <a:cxn ang="0">
+                <a:pos x="connsiteX1" y="connsiteY1"/>
+              </a:cxn>
+              <a:cxn ang="0">
+                <a:pos x="connsiteX2" y="connsiteY2"/>
+              </a:cxn>
+            </a:cxnLst>
+            <a:rect l="l" t="t" r="r" b="b"/>
+            <a:pathLst>
+              <a:path w="3403600" h="762005">
+                <a:moveTo>
+                  <a:pt x="0" y="10160"/>
+                </a:moveTo>
+                <a:cubicBezTo>
+                  <a:pt x="605366" y="386926"/>
+                  <a:pt x="1210733" y="763693"/>
+                  <a:pt x="1778000" y="762000"/>
+                </a:cubicBezTo>
+                <a:cubicBezTo>
+                  <a:pt x="2345267" y="760307"/>
+                  <a:pt x="3059853" y="181187"/>
+                  <a:pt x="3403600" y="0"/>
+                </a:cubicBezTo>
+              </a:path>
+            </a:pathLst>
+          </a:custGeom>
+          <a:noFill/>
+          <a:ln w="28575">
+            <a:solidFill>
+              <a:schemeClr val="tx1"/>
+            </a:solidFill>
+            <a:headEnd type="none" w="med" len="med"/>
+            <a:tailEnd type="triangle" w="med" len="med"/>
+          </a:ln>
+        </p:spPr>
+        <p:style>
+          <a:lnRef idx="2">
+            <a:schemeClr val="accent1">
+              <a:shade val="50000"/>
+            </a:schemeClr>
+          </a:lnRef>
+          <a:fillRef idx="1">
+            <a:schemeClr val="accent1"/>
+          </a:fillRef>
+          <a:effectRef idx="0">
+            <a:schemeClr val="accent1"/>
+          </a:effectRef>
+          <a:fontRef idx="minor">
+            <a:schemeClr val="lt1"/>
+          </a:fontRef>
+        </p:style>
+        <p:txBody>
+          <a:bodyPr rtlCol="0" anchor="ctr"/>
+          <a:lstStyle/>
+          <a:p>
+            <a:pPr algn="ctr"/>
+            <a:endParaRPr lang="en-GB"/>
+          </a:p>
+        </p:txBody>
+      </p:sp>
+      <p:sp>
+        <p:nvSpPr>
+          <p:cNvPr id="34" name="Forme libre : forme 33">
+            <a:extLst>
+              <a:ext uri="{FF2B5EF4-FFF2-40B4-BE49-F238E27FC236}">
+                <a16:creationId xmlns:a16="http://schemas.microsoft.com/office/drawing/2014/main" id="{33C1B149-C13C-4667-84FA-8D3F89E9E0A2}"/>
+              </a:ext>
+            </a:extLst>
+          </p:cNvPr>
+          <p:cNvSpPr/>
+          <p:nvPr/>
+        </p:nvSpPr>
+        <p:spPr>
+          <a:xfrm rot="8693479">
+            <a:off x="3678275" y="2162564"/>
+            <a:ext cx="2115545" cy="233359"/>
+          </a:xfrm>
+          <a:custGeom>
+            <a:avLst/>
+            <a:gdLst>
+              <a:gd name="connsiteX0" fmla="*/ 0 w 3403600"/>
+              <a:gd name="connsiteY0" fmla="*/ 10160 h 762005"/>
+              <a:gd name="connsiteX1" fmla="*/ 1778000 w 3403600"/>
+              <a:gd name="connsiteY1" fmla="*/ 762000 h 762005"/>
+              <a:gd name="connsiteX2" fmla="*/ 3403600 w 3403600"/>
+              <a:gd name="connsiteY2" fmla="*/ 0 h 762005"/>
+            </a:gdLst>
+            <a:ahLst/>
+            <a:cxnLst>
+              <a:cxn ang="0">
+                <a:pos x="connsiteX0" y="connsiteY0"/>
+              </a:cxn>
+              <a:cxn ang="0">
+                <a:pos x="connsiteX1" y="connsiteY1"/>
+              </a:cxn>
+              <a:cxn ang="0">
+                <a:pos x="connsiteX2" y="connsiteY2"/>
+              </a:cxn>
+            </a:cxnLst>
+            <a:rect l="l" t="t" r="r" b="b"/>
+            <a:pathLst>
+              <a:path w="3403600" h="762005">
+                <a:moveTo>
+                  <a:pt x="0" y="10160"/>
+                </a:moveTo>
+                <a:cubicBezTo>
+                  <a:pt x="605366" y="386926"/>
+                  <a:pt x="1210733" y="763693"/>
+                  <a:pt x="1778000" y="762000"/>
+                </a:cubicBezTo>
+                <a:cubicBezTo>
+                  <a:pt x="2345267" y="760307"/>
+                  <a:pt x="3059853" y="181187"/>
+                  <a:pt x="3403600" y="0"/>
+                </a:cubicBezTo>
+              </a:path>
+            </a:pathLst>
+          </a:custGeom>
+          <a:noFill/>
+          <a:ln w="28575">
+            <a:solidFill>
+              <a:schemeClr val="tx1"/>
+            </a:solidFill>
+            <a:headEnd type="none" w="med" len="med"/>
+            <a:tailEnd type="triangle" w="med" len="med"/>
+          </a:ln>
+        </p:spPr>
+        <p:style>
+          <a:lnRef idx="2">
+            <a:schemeClr val="accent1">
+              <a:shade val="50000"/>
+            </a:schemeClr>
+          </a:lnRef>
+          <a:fillRef idx="1">
+            <a:schemeClr val="accent1"/>
+          </a:fillRef>
+          <a:effectRef idx="0">
+            <a:schemeClr val="accent1"/>
+          </a:effectRef>
+          <a:fontRef idx="minor">
+            <a:schemeClr val="lt1"/>
+          </a:fontRef>
+        </p:style>
+        <p:txBody>
+          <a:bodyPr rtlCol="0" anchor="ctr"/>
+          <a:lstStyle/>
+          <a:p>
+            <a:pPr algn="ctr"/>
+            <a:endParaRPr lang="en-GB"/>
+          </a:p>
+        </p:txBody>
+      </p:sp>
+      <p:sp>
+        <p:nvSpPr>
+          <p:cNvPr id="35" name="Forme libre : forme 34">
+            <a:extLst>
+              <a:ext uri="{FF2B5EF4-FFF2-40B4-BE49-F238E27FC236}">
+                <a16:creationId xmlns:a16="http://schemas.microsoft.com/office/drawing/2014/main" id="{47395E26-76A7-4F16-A387-02EE0132E799}"/>
+              </a:ext>
+            </a:extLst>
+          </p:cNvPr>
+          <p:cNvSpPr/>
+          <p:nvPr/>
+        </p:nvSpPr>
+        <p:spPr>
+          <a:xfrm rot="14386773">
+            <a:off x="6523043" y="2377067"/>
+            <a:ext cx="1715759" cy="122665"/>
+          </a:xfrm>
+          <a:custGeom>
+            <a:avLst/>
+            <a:gdLst>
+              <a:gd name="connsiteX0" fmla="*/ 0 w 3403600"/>
+              <a:gd name="connsiteY0" fmla="*/ 10160 h 762005"/>
+              <a:gd name="connsiteX1" fmla="*/ 1778000 w 3403600"/>
+              <a:gd name="connsiteY1" fmla="*/ 762000 h 762005"/>
+              <a:gd name="connsiteX2" fmla="*/ 3403600 w 3403600"/>
+              <a:gd name="connsiteY2" fmla="*/ 0 h 762005"/>
+            </a:gdLst>
+            <a:ahLst/>
+            <a:cxnLst>
+              <a:cxn ang="0">
+                <a:pos x="connsiteX0" y="connsiteY0"/>
+              </a:cxn>
+              <a:cxn ang="0">
+                <a:pos x="connsiteX1" y="connsiteY1"/>
+              </a:cxn>
+              <a:cxn ang="0">
+                <a:pos x="connsiteX2" y="connsiteY2"/>
+              </a:cxn>
+            </a:cxnLst>
+            <a:rect l="l" t="t" r="r" b="b"/>
+            <a:pathLst>
+              <a:path w="3403600" h="762005">
+                <a:moveTo>
+                  <a:pt x="0" y="10160"/>
+                </a:moveTo>
+                <a:cubicBezTo>
+                  <a:pt x="605366" y="386926"/>
+                  <a:pt x="1210733" y="763693"/>
+                  <a:pt x="1778000" y="762000"/>
+                </a:cubicBezTo>
+                <a:cubicBezTo>
+                  <a:pt x="2345267" y="760307"/>
+                  <a:pt x="3059853" y="181187"/>
+                  <a:pt x="3403600" y="0"/>
+                </a:cubicBezTo>
+              </a:path>
+            </a:pathLst>
+          </a:custGeom>
+          <a:noFill/>
+          <a:ln w="28575">
+            <a:solidFill>
+              <a:schemeClr val="tx1"/>
+            </a:solidFill>
+            <a:headEnd type="none" w="med" len="med"/>
+            <a:tailEnd type="triangle" w="med" len="med"/>
+          </a:ln>
+        </p:spPr>
+        <p:style>
+          <a:lnRef idx="2">
+            <a:schemeClr val="accent1">
+              <a:shade val="50000"/>
+            </a:schemeClr>
+          </a:lnRef>
+          <a:fillRef idx="1">
+            <a:schemeClr val="accent1"/>
+          </a:fillRef>
+          <a:effectRef idx="0">
+            <a:schemeClr val="accent1"/>
+          </a:effectRef>
+          <a:fontRef idx="minor">
+            <a:schemeClr val="lt1"/>
+          </a:fontRef>
+        </p:style>
+        <p:txBody>
+          <a:bodyPr rtlCol="0" anchor="ctr"/>
+          <a:lstStyle/>
+          <a:p>
+            <a:pPr algn="ctr"/>
+            <a:endParaRPr lang="en-GB"/>
+          </a:p>
+        </p:txBody>
+      </p:sp>
+      <p:sp>
+        <p:nvSpPr>
+          <p:cNvPr id="36" name="ZoneTexte 35">
+            <a:extLst>
+              <a:ext uri="{FF2B5EF4-FFF2-40B4-BE49-F238E27FC236}">
+                <a16:creationId xmlns:a16="http://schemas.microsoft.com/office/drawing/2014/main" id="{8C0B39F4-5CE3-4A89-AE57-2E505A30446B}"/>
+              </a:ext>
+            </a:extLst>
+          </p:cNvPr>
+          <p:cNvSpPr txBox="1"/>
+          <p:nvPr/>
+        </p:nvSpPr>
+        <p:spPr>
+          <a:xfrm>
+            <a:off x="3786605" y="1373851"/>
+            <a:ext cx="1405731" cy="584775"/>
+          </a:xfrm>
+          <a:prstGeom prst="rect">
+            <a:avLst/>
+          </a:prstGeom>
+          <a:noFill/>
+        </p:spPr>
+        <p:txBody>
+          <a:bodyPr wrap="square" rtlCol="0">
+            <a:spAutoFit/>
+          </a:bodyPr>
+          <a:lstStyle/>
+          <a:p>
+            <a:r>
+              <a:rPr lang="fr-FR" sz="3200" dirty="0"/>
+              <a:t>[R1 t1]</a:t>
+            </a:r>
+            <a:endParaRPr lang="en-GB" sz="3200" dirty="0"/>
+          </a:p>
+        </p:txBody>
+      </p:sp>
+      <p:sp>
+        <p:nvSpPr>
+          <p:cNvPr id="37" name="ZoneTexte 36">
+            <a:extLst>
+              <a:ext uri="{FF2B5EF4-FFF2-40B4-BE49-F238E27FC236}">
+                <a16:creationId xmlns:a16="http://schemas.microsoft.com/office/drawing/2014/main" id="{03FD5E10-17AD-4855-806A-616235BFBB5E}"/>
+              </a:ext>
+            </a:extLst>
+          </p:cNvPr>
+          <p:cNvSpPr txBox="1"/>
+          <p:nvPr/>
+        </p:nvSpPr>
+        <p:spPr>
+          <a:xfrm>
+            <a:off x="5153102" y="4488984"/>
+            <a:ext cx="1405731" cy="584775"/>
+          </a:xfrm>
+          <a:prstGeom prst="rect">
+            <a:avLst/>
+          </a:prstGeom>
+          <a:noFill/>
+        </p:spPr>
+        <p:txBody>
+          <a:bodyPr wrap="square" rtlCol="0">
+            <a:spAutoFit/>
+          </a:bodyPr>
+          <a:lstStyle/>
+          <a:p>
+            <a:r>
+              <a:rPr lang="fr-FR" sz="3200" dirty="0"/>
+              <a:t>[R2 t2]</a:t>
+            </a:r>
+            <a:endParaRPr lang="en-GB" sz="3200" dirty="0"/>
+          </a:p>
+        </p:txBody>
+      </p:sp>
+      <p:sp>
+        <p:nvSpPr>
+          <p:cNvPr id="25" name="ZoneTexte 24">
+            <a:extLst>
+              <a:ext uri="{FF2B5EF4-FFF2-40B4-BE49-F238E27FC236}">
+                <a16:creationId xmlns:a16="http://schemas.microsoft.com/office/drawing/2014/main" id="{4C9D4513-324E-4A1C-91D7-29888CEF66C8}"/>
+              </a:ext>
+            </a:extLst>
+          </p:cNvPr>
+          <p:cNvSpPr txBox="1"/>
+          <p:nvPr/>
+        </p:nvSpPr>
+        <p:spPr>
+          <a:xfrm>
+            <a:off x="1920240" y="3759508"/>
+            <a:ext cx="1730518" cy="369332"/>
+          </a:xfrm>
+          <a:prstGeom prst="rect">
+            <a:avLst/>
+          </a:prstGeom>
+          <a:noFill/>
+        </p:spPr>
+        <p:txBody>
+          <a:bodyPr wrap="square" rtlCol="0">
+            <a:spAutoFit/>
+          </a:bodyPr>
+          <a:lstStyle/>
+          <a:p>
+            <a:r>
+              <a:rPr lang="fr-FR" dirty="0">
+                <a:solidFill>
+                  <a:srgbClr val="FF0000"/>
+                </a:solidFill>
+              </a:rPr>
+              <a:t>Repère origine</a:t>
+            </a:r>
+            <a:endParaRPr lang="en-GB" dirty="0">
+              <a:solidFill>
+                <a:srgbClr val="FF0000"/>
+              </a:solidFill>
+            </a:endParaRPr>
+          </a:p>
+        </p:txBody>
+      </p:sp>
+      <p:sp>
+        <p:nvSpPr>
+          <p:cNvPr id="39" name="ZoneTexte 38">
+            <a:extLst>
+              <a:ext uri="{FF2B5EF4-FFF2-40B4-BE49-F238E27FC236}">
+                <a16:creationId xmlns:a16="http://schemas.microsoft.com/office/drawing/2014/main" id="{C2AAA34D-F0F7-4E02-B7FF-BF5A4F1C6348}"/>
+              </a:ext>
+            </a:extLst>
+          </p:cNvPr>
+          <p:cNvSpPr txBox="1"/>
+          <p:nvPr/>
+        </p:nvSpPr>
+        <p:spPr>
+          <a:xfrm>
+            <a:off x="7511561" y="1958626"/>
+            <a:ext cx="2170919" cy="584775"/>
+          </a:xfrm>
+          <a:prstGeom prst="rect">
+            <a:avLst/>
+          </a:prstGeom>
+          <a:noFill/>
+        </p:spPr>
+        <p:txBody>
+          <a:bodyPr wrap="square" rtlCol="0">
+            <a:spAutoFit/>
+          </a:bodyPr>
+          <a:lstStyle/>
+          <a:p>
+            <a:r>
+              <a:rPr lang="fr-FR" sz="3200" dirty="0"/>
+              <a:t>[R21 t21]</a:t>
+            </a:r>
+            <a:endParaRPr lang="en-GB" sz="3200" dirty="0"/>
+          </a:p>
+        </p:txBody>
+      </p:sp>
+    </p:spTree>
+    <p:extLst>
+      <p:ext uri="{BB962C8B-B14F-4D97-AF65-F5344CB8AC3E}">
+        <p14:creationId xmlns:p14="http://schemas.microsoft.com/office/powerpoint/2010/main" val="2704836266"/>
       </p:ext>
     </p:extLst>
   </p:cSld>

--- a/3D/triangulation.pptx
+++ b/3D/triangulation.pptx
@@ -5,13 +5,15 @@
     <p:sldMasterId id="2147483648" r:id="rId1"/>
   </p:sldMasterIdLst>
   <p:notesMasterIdLst>
-    <p:notesMasterId r:id="rId6"/>
+    <p:notesMasterId r:id="rId8"/>
   </p:notesMasterIdLst>
   <p:sldIdLst>
     <p:sldId id="256" r:id="rId2"/>
     <p:sldId id="257" r:id="rId3"/>
     <p:sldId id="258" r:id="rId4"/>
     <p:sldId id="259" r:id="rId5"/>
+    <p:sldId id="260" r:id="rId6"/>
+    <p:sldId id="261" r:id="rId7"/>
   </p:sldIdLst>
   <p:sldSz cx="12192000" cy="6858000"/>
   <p:notesSz cx="6858000" cy="9144000"/>
@@ -8538,6 +8540,156 @@
     <p:extLst>
       <p:ext uri="{BB962C8B-B14F-4D97-AF65-F5344CB8AC3E}">
         <p14:creationId xmlns:p14="http://schemas.microsoft.com/office/powerpoint/2010/main" val="2704836266"/>
+      </p:ext>
+    </p:extLst>
+  </p:cSld>
+  <p:clrMapOvr>
+    <a:masterClrMapping/>
+  </p:clrMapOvr>
+</p:sld>
+</file>
+
+<file path=ppt/slides/slide5.xml><?xml version="1.0" encoding="utf-8"?>
+<p:sld xmlns:a="http://schemas.openxmlformats.org/drawingml/2006/main" xmlns:r="http://schemas.openxmlformats.org/officeDocument/2006/relationships" xmlns:p="http://schemas.openxmlformats.org/presentationml/2006/main">
+  <p:cSld>
+    <p:spTree>
+      <p:nvGrpSpPr>
+        <p:cNvPr id="1" name=""/>
+        <p:cNvGrpSpPr/>
+        <p:nvPr/>
+      </p:nvGrpSpPr>
+      <p:grpSpPr>
+        <a:xfrm>
+          <a:off x="0" y="0"/>
+          <a:ext cx="0" cy="0"/>
+          <a:chOff x="0" y="0"/>
+          <a:chExt cx="0" cy="0"/>
+        </a:xfrm>
+      </p:grpSpPr>
+      <p:pic>
+        <p:nvPicPr>
+          <p:cNvPr id="5" name="Image 4">
+            <a:extLst>
+              <a:ext uri="{FF2B5EF4-FFF2-40B4-BE49-F238E27FC236}">
+                <a16:creationId xmlns:a16="http://schemas.microsoft.com/office/drawing/2014/main" id="{CAD3E07F-AC92-4CA4-A739-7BD5B5CE871B}"/>
+              </a:ext>
+            </a:extLst>
+          </p:cNvPr>
+          <p:cNvPicPr>
+            <a:picLocks noChangeAspect="1"/>
+          </p:cNvPicPr>
+          <p:nvPr/>
+        </p:nvPicPr>
+        <p:blipFill>
+          <a:blip r:embed="rId2"/>
+          <a:stretch>
+            <a:fillRect/>
+          </a:stretch>
+        </p:blipFill>
+        <p:spPr>
+          <a:xfrm>
+            <a:off x="1659255" y="287676"/>
+            <a:ext cx="8873490" cy="2978754"/>
+          </a:xfrm>
+          <a:prstGeom prst="rect">
+            <a:avLst/>
+          </a:prstGeom>
+        </p:spPr>
+      </p:pic>
+      <p:pic>
+        <p:nvPicPr>
+          <p:cNvPr id="7" name="Image 6">
+            <a:extLst>
+              <a:ext uri="{FF2B5EF4-FFF2-40B4-BE49-F238E27FC236}">
+                <a16:creationId xmlns:a16="http://schemas.microsoft.com/office/drawing/2014/main" id="{B7B326C8-0A80-45A2-B616-7DC45413F0B0}"/>
+              </a:ext>
+            </a:extLst>
+          </p:cNvPr>
+          <p:cNvPicPr>
+            <a:picLocks noChangeAspect="1"/>
+          </p:cNvPicPr>
+          <p:nvPr/>
+        </p:nvPicPr>
+        <p:blipFill>
+          <a:blip r:embed="rId3"/>
+          <a:stretch>
+            <a:fillRect/>
+          </a:stretch>
+        </p:blipFill>
+        <p:spPr>
+          <a:xfrm>
+            <a:off x="1659254" y="3266430"/>
+            <a:ext cx="8842609" cy="3062451"/>
+          </a:xfrm>
+          <a:prstGeom prst="rect">
+            <a:avLst/>
+          </a:prstGeom>
+        </p:spPr>
+      </p:pic>
+    </p:spTree>
+    <p:extLst>
+      <p:ext uri="{BB962C8B-B14F-4D97-AF65-F5344CB8AC3E}">
+        <p14:creationId xmlns:p14="http://schemas.microsoft.com/office/powerpoint/2010/main" val="2101283151"/>
+      </p:ext>
+    </p:extLst>
+  </p:cSld>
+  <p:clrMapOvr>
+    <a:masterClrMapping/>
+  </p:clrMapOvr>
+</p:sld>
+</file>
+
+<file path=ppt/slides/slide6.xml><?xml version="1.0" encoding="utf-8"?>
+<p:sld xmlns:a="http://schemas.openxmlformats.org/drawingml/2006/main" xmlns:r="http://schemas.openxmlformats.org/officeDocument/2006/relationships" xmlns:p="http://schemas.openxmlformats.org/presentationml/2006/main">
+  <p:cSld>
+    <p:spTree>
+      <p:nvGrpSpPr>
+        <p:cNvPr id="1" name=""/>
+        <p:cNvGrpSpPr/>
+        <p:nvPr/>
+      </p:nvGrpSpPr>
+      <p:grpSpPr>
+        <a:xfrm>
+          <a:off x="0" y="0"/>
+          <a:ext cx="0" cy="0"/>
+          <a:chOff x="0" y="0"/>
+          <a:chExt cx="0" cy="0"/>
+        </a:xfrm>
+      </p:grpSpPr>
+      <p:pic>
+        <p:nvPicPr>
+          <p:cNvPr id="5" name="Image 4">
+            <a:extLst>
+              <a:ext uri="{FF2B5EF4-FFF2-40B4-BE49-F238E27FC236}">
+                <a16:creationId xmlns:a16="http://schemas.microsoft.com/office/drawing/2014/main" id="{EA7B992B-0AD5-4952-A00B-67F36E89DF32}"/>
+              </a:ext>
+            </a:extLst>
+          </p:cNvPr>
+          <p:cNvPicPr>
+            <a:picLocks noChangeAspect="1"/>
+          </p:cNvPicPr>
+          <p:nvPr/>
+        </p:nvPicPr>
+        <p:blipFill>
+          <a:blip r:embed="rId2"/>
+          <a:stretch>
+            <a:fillRect/>
+          </a:stretch>
+        </p:blipFill>
+        <p:spPr>
+          <a:xfrm>
+            <a:off x="1387492" y="0"/>
+            <a:ext cx="8738919" cy="6858000"/>
+          </a:xfrm>
+          <a:prstGeom prst="rect">
+            <a:avLst/>
+          </a:prstGeom>
+        </p:spPr>
+      </p:pic>
+    </p:spTree>
+    <p:extLst>
+      <p:ext uri="{BB962C8B-B14F-4D97-AF65-F5344CB8AC3E}">
+        <p14:creationId xmlns:p14="http://schemas.microsoft.com/office/powerpoint/2010/main" val="2035081721"/>
       </p:ext>
     </p:extLst>
   </p:cSld>

--- a/3D/triangulation.pptx
+++ b/3D/triangulation.pptx
@@ -5,7 +5,7 @@
     <p:sldMasterId id="2147483648" r:id="rId1"/>
   </p:sldMasterIdLst>
   <p:notesMasterIdLst>
-    <p:notesMasterId r:id="rId8"/>
+    <p:notesMasterId r:id="rId9"/>
   </p:notesMasterIdLst>
   <p:sldIdLst>
     <p:sldId id="256" r:id="rId2"/>
@@ -14,6 +14,7 @@
     <p:sldId id="259" r:id="rId5"/>
     <p:sldId id="260" r:id="rId6"/>
     <p:sldId id="261" r:id="rId7"/>
+    <p:sldId id="262" r:id="rId8"/>
   </p:sldIdLst>
   <p:sldSz cx="12192000" cy="6858000"/>
   <p:notesSz cx="6858000" cy="9144000"/>
@@ -205,7 +206,7 @@
           <a:p>
             <a:fld id="{F160B275-E15A-477E-9FDC-96E2DF15BEB5}" type="datetimeFigureOut">
               <a:rPr lang="fr-FR" smtClean="0"/>
-              <a:t>24/01/2022</a:t>
+              <a:t>25/01/2022</a:t>
             </a:fld>
             <a:endParaRPr lang="fr-FR"/>
           </a:p>
@@ -684,7 +685,7 @@
           <a:p>
             <a:fld id="{F3452523-C4A0-4875-B071-9C8D2ABC8F20}" type="datetimeFigureOut">
               <a:rPr lang="fr-FR" smtClean="0"/>
-              <a:t>24/01/2022</a:t>
+              <a:t>25/01/2022</a:t>
             </a:fld>
             <a:endParaRPr lang="fr-FR"/>
           </a:p>
@@ -882,7 +883,7 @@
           <a:p>
             <a:fld id="{F3452523-C4A0-4875-B071-9C8D2ABC8F20}" type="datetimeFigureOut">
               <a:rPr lang="fr-FR" smtClean="0"/>
-              <a:t>24/01/2022</a:t>
+              <a:t>25/01/2022</a:t>
             </a:fld>
             <a:endParaRPr lang="fr-FR"/>
           </a:p>
@@ -1090,7 +1091,7 @@
           <a:p>
             <a:fld id="{F3452523-C4A0-4875-B071-9C8D2ABC8F20}" type="datetimeFigureOut">
               <a:rPr lang="fr-FR" smtClean="0"/>
-              <a:t>24/01/2022</a:t>
+              <a:t>25/01/2022</a:t>
             </a:fld>
             <a:endParaRPr lang="fr-FR"/>
           </a:p>
@@ -1288,7 +1289,7 @@
           <a:p>
             <a:fld id="{F3452523-C4A0-4875-B071-9C8D2ABC8F20}" type="datetimeFigureOut">
               <a:rPr lang="fr-FR" smtClean="0"/>
-              <a:t>24/01/2022</a:t>
+              <a:t>25/01/2022</a:t>
             </a:fld>
             <a:endParaRPr lang="fr-FR"/>
           </a:p>
@@ -1563,7 +1564,7 @@
           <a:p>
             <a:fld id="{F3452523-C4A0-4875-B071-9C8D2ABC8F20}" type="datetimeFigureOut">
               <a:rPr lang="fr-FR" smtClean="0"/>
-              <a:t>24/01/2022</a:t>
+              <a:t>25/01/2022</a:t>
             </a:fld>
             <a:endParaRPr lang="fr-FR"/>
           </a:p>
@@ -1828,7 +1829,7 @@
           <a:p>
             <a:fld id="{F3452523-C4A0-4875-B071-9C8D2ABC8F20}" type="datetimeFigureOut">
               <a:rPr lang="fr-FR" smtClean="0"/>
-              <a:t>24/01/2022</a:t>
+              <a:t>25/01/2022</a:t>
             </a:fld>
             <a:endParaRPr lang="fr-FR"/>
           </a:p>
@@ -2240,7 +2241,7 @@
           <a:p>
             <a:fld id="{F3452523-C4A0-4875-B071-9C8D2ABC8F20}" type="datetimeFigureOut">
               <a:rPr lang="fr-FR" smtClean="0"/>
-              <a:t>24/01/2022</a:t>
+              <a:t>25/01/2022</a:t>
             </a:fld>
             <a:endParaRPr lang="fr-FR"/>
           </a:p>
@@ -2381,7 +2382,7 @@
           <a:p>
             <a:fld id="{F3452523-C4A0-4875-B071-9C8D2ABC8F20}" type="datetimeFigureOut">
               <a:rPr lang="fr-FR" smtClean="0"/>
-              <a:t>24/01/2022</a:t>
+              <a:t>25/01/2022</a:t>
             </a:fld>
             <a:endParaRPr lang="fr-FR"/>
           </a:p>
@@ -2494,7 +2495,7 @@
           <a:p>
             <a:fld id="{F3452523-C4A0-4875-B071-9C8D2ABC8F20}" type="datetimeFigureOut">
               <a:rPr lang="fr-FR" smtClean="0"/>
-              <a:t>24/01/2022</a:t>
+              <a:t>25/01/2022</a:t>
             </a:fld>
             <a:endParaRPr lang="fr-FR"/>
           </a:p>
@@ -2805,7 +2806,7 @@
           <a:p>
             <a:fld id="{F3452523-C4A0-4875-B071-9C8D2ABC8F20}" type="datetimeFigureOut">
               <a:rPr lang="fr-FR" smtClean="0"/>
-              <a:t>24/01/2022</a:t>
+              <a:t>25/01/2022</a:t>
             </a:fld>
             <a:endParaRPr lang="fr-FR"/>
           </a:p>
@@ -3093,7 +3094,7 @@
           <a:p>
             <a:fld id="{F3452523-C4A0-4875-B071-9C8D2ABC8F20}" type="datetimeFigureOut">
               <a:rPr lang="fr-FR" smtClean="0"/>
-              <a:t>24/01/2022</a:t>
+              <a:t>25/01/2022</a:t>
             </a:fld>
             <a:endParaRPr lang="fr-FR"/>
           </a:p>
@@ -3334,7 +3335,7 @@
           <a:p>
             <a:fld id="{F3452523-C4A0-4875-B071-9C8D2ABC8F20}" type="datetimeFigureOut">
               <a:rPr lang="fr-FR" smtClean="0"/>
-              <a:t>24/01/2022</a:t>
+              <a:t>25/01/2022</a:t>
             </a:fld>
             <a:endParaRPr lang="fr-FR"/>
           </a:p>
@@ -8690,6 +8691,637 @@
     <p:extLst>
       <p:ext uri="{BB962C8B-B14F-4D97-AF65-F5344CB8AC3E}">
         <p14:creationId xmlns:p14="http://schemas.microsoft.com/office/powerpoint/2010/main" val="2035081721"/>
+      </p:ext>
+    </p:extLst>
+  </p:cSld>
+  <p:clrMapOvr>
+    <a:masterClrMapping/>
+  </p:clrMapOvr>
+</p:sld>
+</file>
+
+<file path=ppt/slides/slide7.xml><?xml version="1.0" encoding="utf-8"?>
+<p:sld xmlns:a="http://schemas.openxmlformats.org/drawingml/2006/main" xmlns:r="http://schemas.openxmlformats.org/officeDocument/2006/relationships" xmlns:p="http://schemas.openxmlformats.org/presentationml/2006/main">
+  <p:cSld>
+    <p:spTree>
+      <p:nvGrpSpPr>
+        <p:cNvPr id="1" name=""/>
+        <p:cNvGrpSpPr/>
+        <p:nvPr/>
+      </p:nvGrpSpPr>
+      <p:grpSpPr>
+        <a:xfrm>
+          <a:off x="0" y="0"/>
+          <a:ext cx="0" cy="0"/>
+          <a:chOff x="0" y="0"/>
+          <a:chExt cx="0" cy="0"/>
+        </a:xfrm>
+      </p:grpSpPr>
+      <p:pic>
+        <p:nvPicPr>
+          <p:cNvPr id="6" name="Image 5">
+            <a:extLst>
+              <a:ext uri="{FF2B5EF4-FFF2-40B4-BE49-F238E27FC236}">
+                <a16:creationId xmlns:a16="http://schemas.microsoft.com/office/drawing/2014/main" id="{98E7FF5C-468D-42F6-8DF4-EF473CD7B320}"/>
+              </a:ext>
+            </a:extLst>
+          </p:cNvPr>
+          <p:cNvPicPr>
+            <a:picLocks noChangeAspect="1"/>
+          </p:cNvPicPr>
+          <p:nvPr/>
+        </p:nvPicPr>
+        <p:blipFill>
+          <a:blip r:embed="rId2"/>
+          <a:stretch>
+            <a:fillRect/>
+          </a:stretch>
+        </p:blipFill>
+        <p:spPr>
+          <a:xfrm>
+            <a:off x="493285" y="1474640"/>
+            <a:ext cx="11205430" cy="4079853"/>
+          </a:xfrm>
+          <a:prstGeom prst="rect">
+            <a:avLst/>
+          </a:prstGeom>
+        </p:spPr>
+      </p:pic>
+      <p:cxnSp>
+        <p:nvCxnSpPr>
+          <p:cNvPr id="8" name="Connecteur droit 7">
+            <a:extLst>
+              <a:ext uri="{FF2B5EF4-FFF2-40B4-BE49-F238E27FC236}">
+                <a16:creationId xmlns:a16="http://schemas.microsoft.com/office/drawing/2014/main" id="{0AEABF97-4198-4CC2-91D2-883C6D849A3F}"/>
+              </a:ext>
+            </a:extLst>
+          </p:cNvPr>
+          <p:cNvCxnSpPr>
+            <a:cxnSpLocks/>
+          </p:cNvCxnSpPr>
+          <p:nvPr/>
+        </p:nvCxnSpPr>
+        <p:spPr>
+          <a:xfrm>
+            <a:off x="787089" y="3847289"/>
+            <a:ext cx="10555362" cy="0"/>
+          </a:xfrm>
+          <a:prstGeom prst="line">
+            <a:avLst/>
+          </a:prstGeom>
+          <a:ln w="76200">
+            <a:solidFill>
+              <a:srgbClr val="FF0000"/>
+            </a:solidFill>
+          </a:ln>
+        </p:spPr>
+        <p:style>
+          <a:lnRef idx="1">
+            <a:schemeClr val="accent1"/>
+          </a:lnRef>
+          <a:fillRef idx="0">
+            <a:schemeClr val="accent1"/>
+          </a:fillRef>
+          <a:effectRef idx="0">
+            <a:schemeClr val="accent1"/>
+          </a:effectRef>
+          <a:fontRef idx="minor">
+            <a:schemeClr val="tx1"/>
+          </a:fontRef>
+        </p:style>
+      </p:cxnSp>
+      <p:graphicFrame>
+        <p:nvGraphicFramePr>
+          <p:cNvPr id="5" name="Tableau 5">
+            <a:extLst>
+              <a:ext uri="{FF2B5EF4-FFF2-40B4-BE49-F238E27FC236}">
+                <a16:creationId xmlns:a16="http://schemas.microsoft.com/office/drawing/2014/main" id="{36FE7F61-0711-4F47-A2D1-B5F4E694FC5E}"/>
+              </a:ext>
+            </a:extLst>
+          </p:cNvPr>
+          <p:cNvGraphicFramePr>
+            <a:graphicFrameLocks noGrp="1"/>
+          </p:cNvGraphicFramePr>
+          <p:nvPr>
+            <p:extLst>
+              <p:ext uri="{D42A27DB-BD31-4B8C-83A1-F6EECF244321}">
+                <p14:modId xmlns:p14="http://schemas.microsoft.com/office/powerpoint/2010/main" val="1567507887"/>
+              </p:ext>
+            </p:extLst>
+          </p:nvPr>
+        </p:nvGraphicFramePr>
+        <p:xfrm>
+          <a:off x="3948348" y="3298649"/>
+          <a:ext cx="1080000" cy="1097280"/>
+        </p:xfrm>
+        <a:graphic>
+          <a:graphicData uri="http://schemas.openxmlformats.org/drawingml/2006/table">
+            <a:tbl>
+              <a:tblPr firstRow="1" bandRow="1">
+                <a:tableStyleId>{5C22544A-7EE6-4342-B048-85BDC9FD1C3A}</a:tableStyleId>
+              </a:tblPr>
+              <a:tblGrid>
+                <a:gridCol w="360000">
+                  <a:extLst>
+                    <a:ext uri="{9D8B030D-6E8A-4147-A177-3AD203B41FA5}">
+                      <a16:colId xmlns:a16="http://schemas.microsoft.com/office/drawing/2014/main" val="2020062703"/>
+                    </a:ext>
+                  </a:extLst>
+                </a:gridCol>
+                <a:gridCol w="360000">
+                  <a:extLst>
+                    <a:ext uri="{9D8B030D-6E8A-4147-A177-3AD203B41FA5}">
+                      <a16:colId xmlns:a16="http://schemas.microsoft.com/office/drawing/2014/main" val="296760931"/>
+                    </a:ext>
+                  </a:extLst>
+                </a:gridCol>
+                <a:gridCol w="360000">
+                  <a:extLst>
+                    <a:ext uri="{9D8B030D-6E8A-4147-A177-3AD203B41FA5}">
+                      <a16:colId xmlns:a16="http://schemas.microsoft.com/office/drawing/2014/main" val="2299146926"/>
+                    </a:ext>
+                  </a:extLst>
+                </a:gridCol>
+              </a:tblGrid>
+              <a:tr h="365760">
+                <a:tc>
+                  <a:txBody>
+                    <a:bodyPr/>
+                    <a:lstStyle/>
+                    <a:p>
+                      <a:endParaRPr lang="en-GB"/>
+                    </a:p>
+                  </a:txBody>
+                  <a:tcPr>
+                    <a:lnL w="12700" cap="flat" cmpd="sng" algn="ctr">
+                      <a:solidFill>
+                        <a:schemeClr val="tx1"/>
+                      </a:solidFill>
+                      <a:prstDash val="solid"/>
+                      <a:round/>
+                      <a:headEnd type="none" w="med" len="med"/>
+                      <a:tailEnd type="none" w="med" len="med"/>
+                    </a:lnL>
+                    <a:lnR w="12700" cap="flat" cmpd="sng" algn="ctr">
+                      <a:solidFill>
+                        <a:schemeClr val="tx1"/>
+                      </a:solidFill>
+                      <a:prstDash val="solid"/>
+                      <a:round/>
+                      <a:headEnd type="none" w="med" len="med"/>
+                      <a:tailEnd type="none" w="med" len="med"/>
+                    </a:lnR>
+                    <a:lnT w="12700" cap="flat" cmpd="sng" algn="ctr">
+                      <a:solidFill>
+                        <a:schemeClr val="tx1"/>
+                      </a:solidFill>
+                      <a:prstDash val="solid"/>
+                      <a:round/>
+                      <a:headEnd type="none" w="med" len="med"/>
+                      <a:tailEnd type="none" w="med" len="med"/>
+                    </a:lnT>
+                    <a:lnB w="12700" cap="flat" cmpd="sng" algn="ctr">
+                      <a:solidFill>
+                        <a:schemeClr val="tx1"/>
+                      </a:solidFill>
+                      <a:prstDash val="solid"/>
+                      <a:round/>
+                      <a:headEnd type="none" w="med" len="med"/>
+                      <a:tailEnd type="none" w="med" len="med"/>
+                    </a:lnB>
+                    <a:solidFill>
+                      <a:schemeClr val="bg1"/>
+                    </a:solidFill>
+                  </a:tcPr>
+                </a:tc>
+                <a:tc>
+                  <a:txBody>
+                    <a:bodyPr/>
+                    <a:lstStyle/>
+                    <a:p>
+                      <a:endParaRPr lang="en-GB" dirty="0"/>
+                    </a:p>
+                  </a:txBody>
+                  <a:tcPr>
+                    <a:lnL w="12700" cap="flat" cmpd="sng" algn="ctr">
+                      <a:solidFill>
+                        <a:schemeClr val="tx1"/>
+                      </a:solidFill>
+                      <a:prstDash val="solid"/>
+                      <a:round/>
+                      <a:headEnd type="none" w="med" len="med"/>
+                      <a:tailEnd type="none" w="med" len="med"/>
+                    </a:lnL>
+                    <a:lnR w="12700" cap="flat" cmpd="sng" algn="ctr">
+                      <a:solidFill>
+                        <a:schemeClr val="tx1"/>
+                      </a:solidFill>
+                      <a:prstDash val="solid"/>
+                      <a:round/>
+                      <a:headEnd type="none" w="med" len="med"/>
+                      <a:tailEnd type="none" w="med" len="med"/>
+                    </a:lnR>
+                    <a:lnT w="12700" cap="flat" cmpd="sng" algn="ctr">
+                      <a:solidFill>
+                        <a:schemeClr val="tx1"/>
+                      </a:solidFill>
+                      <a:prstDash val="solid"/>
+                      <a:round/>
+                      <a:headEnd type="none" w="med" len="med"/>
+                      <a:tailEnd type="none" w="med" len="med"/>
+                    </a:lnT>
+                    <a:lnB w="12700" cap="flat" cmpd="sng" algn="ctr">
+                      <a:solidFill>
+                        <a:schemeClr val="tx1"/>
+                      </a:solidFill>
+                      <a:prstDash val="solid"/>
+                      <a:round/>
+                      <a:headEnd type="none" w="med" len="med"/>
+                      <a:tailEnd type="none" w="med" len="med"/>
+                    </a:lnB>
+                    <a:solidFill>
+                      <a:schemeClr val="bg1"/>
+                    </a:solidFill>
+                  </a:tcPr>
+                </a:tc>
+                <a:tc>
+                  <a:txBody>
+                    <a:bodyPr/>
+                    <a:lstStyle/>
+                    <a:p>
+                      <a:endParaRPr lang="en-GB" dirty="0"/>
+                    </a:p>
+                  </a:txBody>
+                  <a:tcPr>
+                    <a:lnL w="12700" cap="flat" cmpd="sng" algn="ctr">
+                      <a:solidFill>
+                        <a:schemeClr val="tx1"/>
+                      </a:solidFill>
+                      <a:prstDash val="solid"/>
+                      <a:round/>
+                      <a:headEnd type="none" w="med" len="med"/>
+                      <a:tailEnd type="none" w="med" len="med"/>
+                    </a:lnL>
+                    <a:lnR w="12700" cap="flat" cmpd="sng" algn="ctr">
+                      <a:solidFill>
+                        <a:schemeClr val="tx1"/>
+                      </a:solidFill>
+                      <a:prstDash val="solid"/>
+                      <a:round/>
+                      <a:headEnd type="none" w="med" len="med"/>
+                      <a:tailEnd type="none" w="med" len="med"/>
+                    </a:lnR>
+                    <a:lnT w="12700" cap="flat" cmpd="sng" algn="ctr">
+                      <a:solidFill>
+                        <a:schemeClr val="tx1"/>
+                      </a:solidFill>
+                      <a:prstDash val="solid"/>
+                      <a:round/>
+                      <a:headEnd type="none" w="med" len="med"/>
+                      <a:tailEnd type="none" w="med" len="med"/>
+                    </a:lnT>
+                    <a:lnB w="12700" cap="flat" cmpd="sng" algn="ctr">
+                      <a:solidFill>
+                        <a:schemeClr val="tx1"/>
+                      </a:solidFill>
+                      <a:prstDash val="solid"/>
+                      <a:round/>
+                      <a:headEnd type="none" w="med" len="med"/>
+                      <a:tailEnd type="none" w="med" len="med"/>
+                    </a:lnB>
+                    <a:solidFill>
+                      <a:schemeClr val="bg1"/>
+                    </a:solidFill>
+                  </a:tcPr>
+                </a:tc>
+                <a:extLst>
+                  <a:ext uri="{0D108BD9-81ED-4DB2-BD59-A6C34878D82A}">
+                    <a16:rowId xmlns:a16="http://schemas.microsoft.com/office/drawing/2014/main" val="2679079526"/>
+                  </a:ext>
+                </a:extLst>
+              </a:tr>
+              <a:tr h="365760">
+                <a:tc>
+                  <a:txBody>
+                    <a:bodyPr/>
+                    <a:lstStyle/>
+                    <a:p>
+                      <a:endParaRPr lang="en-GB"/>
+                    </a:p>
+                  </a:txBody>
+                  <a:tcPr>
+                    <a:lnL w="12700" cap="flat" cmpd="sng" algn="ctr">
+                      <a:solidFill>
+                        <a:schemeClr val="tx1"/>
+                      </a:solidFill>
+                      <a:prstDash val="solid"/>
+                      <a:round/>
+                      <a:headEnd type="none" w="med" len="med"/>
+                      <a:tailEnd type="none" w="med" len="med"/>
+                    </a:lnL>
+                    <a:lnR w="12700" cap="flat" cmpd="sng" algn="ctr">
+                      <a:solidFill>
+                        <a:schemeClr val="tx1"/>
+                      </a:solidFill>
+                      <a:prstDash val="solid"/>
+                      <a:round/>
+                      <a:headEnd type="none" w="med" len="med"/>
+                      <a:tailEnd type="none" w="med" len="med"/>
+                    </a:lnR>
+                    <a:lnT w="12700" cap="flat" cmpd="sng" algn="ctr">
+                      <a:solidFill>
+                        <a:schemeClr val="tx1"/>
+                      </a:solidFill>
+                      <a:prstDash val="solid"/>
+                      <a:round/>
+                      <a:headEnd type="none" w="med" len="med"/>
+                      <a:tailEnd type="none" w="med" len="med"/>
+                    </a:lnT>
+                    <a:lnB w="12700" cap="flat" cmpd="sng" algn="ctr">
+                      <a:solidFill>
+                        <a:schemeClr val="tx1"/>
+                      </a:solidFill>
+                      <a:prstDash val="solid"/>
+                      <a:round/>
+                      <a:headEnd type="none" w="med" len="med"/>
+                      <a:tailEnd type="none" w="med" len="med"/>
+                    </a:lnB>
+                    <a:solidFill>
+                      <a:schemeClr val="bg1"/>
+                    </a:solidFill>
+                  </a:tcPr>
+                </a:tc>
+                <a:tc>
+                  <a:txBody>
+                    <a:bodyPr/>
+                    <a:lstStyle/>
+                    <a:p>
+                      <a:endParaRPr lang="en-GB" dirty="0"/>
+                    </a:p>
+                  </a:txBody>
+                  <a:tcPr>
+                    <a:lnL w="12700" cap="flat" cmpd="sng" algn="ctr">
+                      <a:solidFill>
+                        <a:schemeClr val="tx1"/>
+                      </a:solidFill>
+                      <a:prstDash val="solid"/>
+                      <a:round/>
+                      <a:headEnd type="none" w="med" len="med"/>
+                      <a:tailEnd type="none" w="med" len="med"/>
+                    </a:lnL>
+                    <a:lnR w="12700" cap="flat" cmpd="sng" algn="ctr">
+                      <a:solidFill>
+                        <a:schemeClr val="tx1"/>
+                      </a:solidFill>
+                      <a:prstDash val="solid"/>
+                      <a:round/>
+                      <a:headEnd type="none" w="med" len="med"/>
+                      <a:tailEnd type="none" w="med" len="med"/>
+                    </a:lnR>
+                    <a:lnT w="12700" cap="flat" cmpd="sng" algn="ctr">
+                      <a:solidFill>
+                        <a:schemeClr val="tx1"/>
+                      </a:solidFill>
+                      <a:prstDash val="solid"/>
+                      <a:round/>
+                      <a:headEnd type="none" w="med" len="med"/>
+                      <a:tailEnd type="none" w="med" len="med"/>
+                    </a:lnT>
+                    <a:lnB w="12700" cap="flat" cmpd="sng" algn="ctr">
+                      <a:solidFill>
+                        <a:schemeClr val="tx1"/>
+                      </a:solidFill>
+                      <a:prstDash val="solid"/>
+                      <a:round/>
+                      <a:headEnd type="none" w="med" len="med"/>
+                      <a:tailEnd type="none" w="med" len="med"/>
+                    </a:lnB>
+                    <a:solidFill>
+                      <a:schemeClr val="bg1"/>
+                    </a:solidFill>
+                  </a:tcPr>
+                </a:tc>
+                <a:tc>
+                  <a:txBody>
+                    <a:bodyPr/>
+                    <a:lstStyle/>
+                    <a:p>
+                      <a:endParaRPr lang="en-GB" dirty="0"/>
+                    </a:p>
+                  </a:txBody>
+                  <a:tcPr>
+                    <a:lnL w="12700" cap="flat" cmpd="sng" algn="ctr">
+                      <a:solidFill>
+                        <a:schemeClr val="tx1"/>
+                      </a:solidFill>
+                      <a:prstDash val="solid"/>
+                      <a:round/>
+                      <a:headEnd type="none" w="med" len="med"/>
+                      <a:tailEnd type="none" w="med" len="med"/>
+                    </a:lnL>
+                    <a:lnR w="12700" cap="flat" cmpd="sng" algn="ctr">
+                      <a:solidFill>
+                        <a:schemeClr val="tx1"/>
+                      </a:solidFill>
+                      <a:prstDash val="solid"/>
+                      <a:round/>
+                      <a:headEnd type="none" w="med" len="med"/>
+                      <a:tailEnd type="none" w="med" len="med"/>
+                    </a:lnR>
+                    <a:lnT w="12700" cap="flat" cmpd="sng" algn="ctr">
+                      <a:solidFill>
+                        <a:schemeClr val="tx1"/>
+                      </a:solidFill>
+                      <a:prstDash val="solid"/>
+                      <a:round/>
+                      <a:headEnd type="none" w="med" len="med"/>
+                      <a:tailEnd type="none" w="med" len="med"/>
+                    </a:lnT>
+                    <a:lnB w="12700" cap="flat" cmpd="sng" algn="ctr">
+                      <a:solidFill>
+                        <a:schemeClr val="tx1"/>
+                      </a:solidFill>
+                      <a:prstDash val="solid"/>
+                      <a:round/>
+                      <a:headEnd type="none" w="med" len="med"/>
+                      <a:tailEnd type="none" w="med" len="med"/>
+                    </a:lnB>
+                    <a:solidFill>
+                      <a:schemeClr val="bg1"/>
+                    </a:solidFill>
+                  </a:tcPr>
+                </a:tc>
+                <a:extLst>
+                  <a:ext uri="{0D108BD9-81ED-4DB2-BD59-A6C34878D82A}">
+                    <a16:rowId xmlns:a16="http://schemas.microsoft.com/office/drawing/2014/main" val="3171248002"/>
+                  </a:ext>
+                </a:extLst>
+              </a:tr>
+              <a:tr h="365760">
+                <a:tc>
+                  <a:txBody>
+                    <a:bodyPr/>
+                    <a:lstStyle/>
+                    <a:p>
+                      <a:endParaRPr lang="en-GB"/>
+                    </a:p>
+                  </a:txBody>
+                  <a:tcPr>
+                    <a:lnL w="12700" cap="flat" cmpd="sng" algn="ctr">
+                      <a:solidFill>
+                        <a:schemeClr val="tx1"/>
+                      </a:solidFill>
+                      <a:prstDash val="solid"/>
+                      <a:round/>
+                      <a:headEnd type="none" w="med" len="med"/>
+                      <a:tailEnd type="none" w="med" len="med"/>
+                    </a:lnL>
+                    <a:lnR w="12700" cap="flat" cmpd="sng" algn="ctr">
+                      <a:solidFill>
+                        <a:schemeClr val="tx1"/>
+                      </a:solidFill>
+                      <a:prstDash val="solid"/>
+                      <a:round/>
+                      <a:headEnd type="none" w="med" len="med"/>
+                      <a:tailEnd type="none" w="med" len="med"/>
+                    </a:lnR>
+                    <a:lnT w="12700" cap="flat" cmpd="sng" algn="ctr">
+                      <a:solidFill>
+                        <a:schemeClr val="tx1"/>
+                      </a:solidFill>
+                      <a:prstDash val="solid"/>
+                      <a:round/>
+                      <a:headEnd type="none" w="med" len="med"/>
+                      <a:tailEnd type="none" w="med" len="med"/>
+                    </a:lnT>
+                    <a:lnB w="12700" cap="flat" cmpd="sng" algn="ctr">
+                      <a:solidFill>
+                        <a:schemeClr val="tx1"/>
+                      </a:solidFill>
+                      <a:prstDash val="solid"/>
+                      <a:round/>
+                      <a:headEnd type="none" w="med" len="med"/>
+                      <a:tailEnd type="none" w="med" len="med"/>
+                    </a:lnB>
+                    <a:solidFill>
+                      <a:schemeClr val="bg1"/>
+                    </a:solidFill>
+                  </a:tcPr>
+                </a:tc>
+                <a:tc>
+                  <a:txBody>
+                    <a:bodyPr/>
+                    <a:lstStyle/>
+                    <a:p>
+                      <a:endParaRPr lang="en-GB"/>
+                    </a:p>
+                  </a:txBody>
+                  <a:tcPr>
+                    <a:lnL w="12700" cap="flat" cmpd="sng" algn="ctr">
+                      <a:solidFill>
+                        <a:schemeClr val="tx1"/>
+                      </a:solidFill>
+                      <a:prstDash val="solid"/>
+                      <a:round/>
+                      <a:headEnd type="none" w="med" len="med"/>
+                      <a:tailEnd type="none" w="med" len="med"/>
+                    </a:lnL>
+                    <a:lnR w="12700" cap="flat" cmpd="sng" algn="ctr">
+                      <a:solidFill>
+                        <a:schemeClr val="tx1"/>
+                      </a:solidFill>
+                      <a:prstDash val="solid"/>
+                      <a:round/>
+                      <a:headEnd type="none" w="med" len="med"/>
+                      <a:tailEnd type="none" w="med" len="med"/>
+                    </a:lnR>
+                    <a:lnT w="12700" cap="flat" cmpd="sng" algn="ctr">
+                      <a:solidFill>
+                        <a:schemeClr val="tx1"/>
+                      </a:solidFill>
+                      <a:prstDash val="solid"/>
+                      <a:round/>
+                      <a:headEnd type="none" w="med" len="med"/>
+                      <a:tailEnd type="none" w="med" len="med"/>
+                    </a:lnT>
+                    <a:lnB w="12700" cap="flat" cmpd="sng" algn="ctr">
+                      <a:solidFill>
+                        <a:schemeClr val="tx1"/>
+                      </a:solidFill>
+                      <a:prstDash val="solid"/>
+                      <a:round/>
+                      <a:headEnd type="none" w="med" len="med"/>
+                      <a:tailEnd type="none" w="med" len="med"/>
+                    </a:lnB>
+                    <a:solidFill>
+                      <a:schemeClr val="bg1"/>
+                    </a:solidFill>
+                  </a:tcPr>
+                </a:tc>
+                <a:tc>
+                  <a:txBody>
+                    <a:bodyPr/>
+                    <a:lstStyle/>
+                    <a:p>
+                      <a:endParaRPr lang="en-GB" dirty="0"/>
+                    </a:p>
+                  </a:txBody>
+                  <a:tcPr>
+                    <a:lnL w="12700" cap="flat" cmpd="sng" algn="ctr">
+                      <a:solidFill>
+                        <a:schemeClr val="tx1"/>
+                      </a:solidFill>
+                      <a:prstDash val="solid"/>
+                      <a:round/>
+                      <a:headEnd type="none" w="med" len="med"/>
+                      <a:tailEnd type="none" w="med" len="med"/>
+                    </a:lnL>
+                    <a:lnR w="12700" cap="flat" cmpd="sng" algn="ctr">
+                      <a:solidFill>
+                        <a:schemeClr val="tx1"/>
+                      </a:solidFill>
+                      <a:prstDash val="solid"/>
+                      <a:round/>
+                      <a:headEnd type="none" w="med" len="med"/>
+                      <a:tailEnd type="none" w="med" len="med"/>
+                    </a:lnR>
+                    <a:lnT w="12700" cap="flat" cmpd="sng" algn="ctr">
+                      <a:solidFill>
+                        <a:schemeClr val="tx1"/>
+                      </a:solidFill>
+                      <a:prstDash val="solid"/>
+                      <a:round/>
+                      <a:headEnd type="none" w="med" len="med"/>
+                      <a:tailEnd type="none" w="med" len="med"/>
+                    </a:lnT>
+                    <a:lnB w="12700" cap="flat" cmpd="sng" algn="ctr">
+                      <a:solidFill>
+                        <a:schemeClr val="tx1"/>
+                      </a:solidFill>
+                      <a:prstDash val="solid"/>
+                      <a:round/>
+                      <a:headEnd type="none" w="med" len="med"/>
+                      <a:tailEnd type="none" w="med" len="med"/>
+                    </a:lnB>
+                    <a:solidFill>
+                      <a:schemeClr val="bg1"/>
+                    </a:solidFill>
+                  </a:tcPr>
+                </a:tc>
+                <a:extLst>
+                  <a:ext uri="{0D108BD9-81ED-4DB2-BD59-A6C34878D82A}">
+                    <a16:rowId xmlns:a16="http://schemas.microsoft.com/office/drawing/2014/main" val="2256096956"/>
+                  </a:ext>
+                </a:extLst>
+              </a:tr>
+            </a:tbl>
+          </a:graphicData>
+        </a:graphic>
+      </p:graphicFrame>
+    </p:spTree>
+    <p:extLst>
+      <p:ext uri="{BB962C8B-B14F-4D97-AF65-F5344CB8AC3E}">
+        <p14:creationId xmlns:p14="http://schemas.microsoft.com/office/powerpoint/2010/main" val="2023844217"/>
       </p:ext>
     </p:extLst>
   </p:cSld>
